--- a/Farm Equipment Rental Management System - Phase I.pptx
+++ b/Farm Equipment Rental Management System - Phase I.pptx
@@ -2,16 +2,17 @@
 <file path=ppt/presentation.xml><?xml version="1.0" encoding="utf-8"?>
 <p:presentation xmlns:a="http://schemas.openxmlformats.org/drawingml/2006/main" xmlns:r="http://schemas.openxmlformats.org/officeDocument/2006/relationships" xmlns:p="http://schemas.openxmlformats.org/presentationml/2006/main" saveSubsetFonts="1">
   <p:sldMasterIdLst>
-    <p:sldMasterId id="2147483648" r:id="rId1"/>
+    <p:sldMasterId id="2147483690" r:id="rId1"/>
   </p:sldMasterIdLst>
   <p:sldIdLst>
     <p:sldId id="256" r:id="rId2"/>
     <p:sldId id="257" r:id="rId3"/>
     <p:sldId id="258" r:id="rId4"/>
     <p:sldId id="259" r:id="rId5"/>
-    <p:sldId id="260" r:id="rId6"/>
-    <p:sldId id="261" r:id="rId7"/>
-    <p:sldId id="262" r:id="rId8"/>
+    <p:sldId id="263" r:id="rId6"/>
+    <p:sldId id="260" r:id="rId7"/>
+    <p:sldId id="261" r:id="rId8"/>
+    <p:sldId id="262" r:id="rId9"/>
   </p:sldIdLst>
   <p:sldSz cx="12192000" cy="6858000"/>
   <p:notesSz cx="6858000" cy="9144000"/>
@@ -19,7 +20,7 @@
     <a:defPPr>
       <a:defRPr lang="en-US"/>
     </a:defPPr>
-    <a:lvl1pPr marL="0" algn="l" defTabSz="914400" rtl="0" eaLnBrk="1" latinLnBrk="0" hangingPunct="1">
+    <a:lvl1pPr marL="0" algn="l" defTabSz="457200" rtl="0" eaLnBrk="1" latinLnBrk="0" hangingPunct="1">
       <a:defRPr sz="1800" kern="1200">
         <a:solidFill>
           <a:schemeClr val="tx1"/>
@@ -29,7 +30,7 @@
         <a:cs typeface="+mn-cs"/>
       </a:defRPr>
     </a:lvl1pPr>
-    <a:lvl2pPr marL="457200" algn="l" defTabSz="914400" rtl="0" eaLnBrk="1" latinLnBrk="0" hangingPunct="1">
+    <a:lvl2pPr marL="457200" algn="l" defTabSz="457200" rtl="0" eaLnBrk="1" latinLnBrk="0" hangingPunct="1">
       <a:defRPr sz="1800" kern="1200">
         <a:solidFill>
           <a:schemeClr val="tx1"/>
@@ -39,7 +40,7 @@
         <a:cs typeface="+mn-cs"/>
       </a:defRPr>
     </a:lvl2pPr>
-    <a:lvl3pPr marL="914400" algn="l" defTabSz="914400" rtl="0" eaLnBrk="1" latinLnBrk="0" hangingPunct="1">
+    <a:lvl3pPr marL="914400" algn="l" defTabSz="457200" rtl="0" eaLnBrk="1" latinLnBrk="0" hangingPunct="1">
       <a:defRPr sz="1800" kern="1200">
         <a:solidFill>
           <a:schemeClr val="tx1"/>
@@ -49,7 +50,7 @@
         <a:cs typeface="+mn-cs"/>
       </a:defRPr>
     </a:lvl3pPr>
-    <a:lvl4pPr marL="1371600" algn="l" defTabSz="914400" rtl="0" eaLnBrk="1" latinLnBrk="0" hangingPunct="1">
+    <a:lvl4pPr marL="1371600" algn="l" defTabSz="457200" rtl="0" eaLnBrk="1" latinLnBrk="0" hangingPunct="1">
       <a:defRPr sz="1800" kern="1200">
         <a:solidFill>
           <a:schemeClr val="tx1"/>
@@ -59,7 +60,7 @@
         <a:cs typeface="+mn-cs"/>
       </a:defRPr>
     </a:lvl4pPr>
-    <a:lvl5pPr marL="1828800" algn="l" defTabSz="914400" rtl="0" eaLnBrk="1" latinLnBrk="0" hangingPunct="1">
+    <a:lvl5pPr marL="1828800" algn="l" defTabSz="457200" rtl="0" eaLnBrk="1" latinLnBrk="0" hangingPunct="1">
       <a:defRPr sz="1800" kern="1200">
         <a:solidFill>
           <a:schemeClr val="tx1"/>
@@ -69,7 +70,7 @@
         <a:cs typeface="+mn-cs"/>
       </a:defRPr>
     </a:lvl5pPr>
-    <a:lvl6pPr marL="2286000" algn="l" defTabSz="914400" rtl="0" eaLnBrk="1" latinLnBrk="0" hangingPunct="1">
+    <a:lvl6pPr marL="2286000" algn="l" defTabSz="457200" rtl="0" eaLnBrk="1" latinLnBrk="0" hangingPunct="1">
       <a:defRPr sz="1800" kern="1200">
         <a:solidFill>
           <a:schemeClr val="tx1"/>
@@ -79,7 +80,7 @@
         <a:cs typeface="+mn-cs"/>
       </a:defRPr>
     </a:lvl6pPr>
-    <a:lvl7pPr marL="2743200" algn="l" defTabSz="914400" rtl="0" eaLnBrk="1" latinLnBrk="0" hangingPunct="1">
+    <a:lvl7pPr marL="2743200" algn="l" defTabSz="457200" rtl="0" eaLnBrk="1" latinLnBrk="0" hangingPunct="1">
       <a:defRPr sz="1800" kern="1200">
         <a:solidFill>
           <a:schemeClr val="tx1"/>
@@ -89,7 +90,7 @@
         <a:cs typeface="+mn-cs"/>
       </a:defRPr>
     </a:lvl7pPr>
-    <a:lvl8pPr marL="3200400" algn="l" defTabSz="914400" rtl="0" eaLnBrk="1" latinLnBrk="0" hangingPunct="1">
+    <a:lvl8pPr marL="3200400" algn="l" defTabSz="457200" rtl="0" eaLnBrk="1" latinLnBrk="0" hangingPunct="1">
       <a:defRPr sz="1800" kern="1200">
         <a:solidFill>
           <a:schemeClr val="tx1"/>
@@ -99,7 +100,7 @@
         <a:cs typeface="+mn-cs"/>
       </a:defRPr>
     </a:lvl8pPr>
-    <a:lvl9pPr marL="3657600" algn="l" defTabSz="914400" rtl="0" eaLnBrk="1" latinLnBrk="0" hangingPunct="1">
+    <a:lvl9pPr marL="3657600" algn="l" defTabSz="457200" rtl="0" eaLnBrk="1" latinLnBrk="0" hangingPunct="1">
       <a:defRPr sz="1800" kern="1200">
         <a:solidFill>
           <a:schemeClr val="tx1"/>
@@ -110,6 +111,11 @@
       </a:defRPr>
     </a:lvl9pPr>
   </p:defaultTextStyle>
+  <p:extLst>
+    <p:ext uri="{EFAFB233-063F-42B5-8137-9DF3F51BA10A}">
+      <p15:sldGuideLst xmlns:p15="http://schemas.microsoft.com/office/powerpoint/2012/main"/>
+    </p:ext>
+  </p:extLst>
 </p:presentation>
 </file>
 
@@ -132,13 +138,7 @@
       </p:grpSpPr>
       <p:sp>
         <p:nvSpPr>
-          <p:cNvPr id="2" name="Title 1">
-            <a:extLst>
-              <a:ext uri="{FF2B5EF4-FFF2-40B4-BE49-F238E27FC236}">
-                <a16:creationId xmlns:a16="http://schemas.microsoft.com/office/drawing/2014/main" id="{A399C969-BDA1-4333-952F-114BD5EB8E85}"/>
-              </a:ext>
-            </a:extLst>
-          </p:cNvPr>
+          <p:cNvPr id="2" name="Title 1"/>
           <p:cNvSpPr>
             <a:spLocks noGrp="1"/>
           </p:cNvSpPr>
@@ -148,15 +148,17 @@
         </p:nvSpPr>
         <p:spPr>
           <a:xfrm>
-            <a:off x="1524000" y="1122363"/>
-            <a:ext cx="9144000" cy="2387600"/>
+            <a:off x="2417779" y="802298"/>
+            <a:ext cx="8637073" cy="2541431"/>
           </a:xfrm>
         </p:spPr>
         <p:txBody>
-          <a:bodyPr anchor="b"/>
+          <a:bodyPr bIns="0" anchor="b">
+            <a:normAutofit/>
+          </a:bodyPr>
           <a:lstStyle>
-            <a:lvl1pPr algn="ctr">
-              <a:defRPr sz="6000"/>
+            <a:lvl1pPr algn="l">
+              <a:defRPr sz="6600"/>
             </a:lvl1pPr>
           </a:lstStyle>
           <a:p>
@@ -164,18 +166,13 @@
               <a:rPr lang="en-US"/>
               <a:t>Click to edit Master title style</a:t>
             </a:r>
-          </a:p>
-        </p:txBody>
-      </p:sp>
-      <p:sp>
-        <p:nvSpPr>
-          <p:cNvPr id="3" name="Subtitle 2">
-            <a:extLst>
-              <a:ext uri="{FF2B5EF4-FFF2-40B4-BE49-F238E27FC236}">
-                <a16:creationId xmlns:a16="http://schemas.microsoft.com/office/drawing/2014/main" id="{A3ECFA19-3A26-4086-8225-00CA3C8AEDE6}"/>
-              </a:ext>
-            </a:extLst>
-          </p:cNvPr>
+            <a:endParaRPr lang="en-US" dirty="0"/>
+          </a:p>
+        </p:txBody>
+      </p:sp>
+      <p:sp>
+        <p:nvSpPr>
+          <p:cNvPr id="3" name="Subtitle 2"/>
           <p:cNvSpPr>
             <a:spLocks noGrp="1"/>
           </p:cNvSpPr>
@@ -185,20 +182,26 @@
         </p:nvSpPr>
         <p:spPr>
           <a:xfrm>
-            <a:off x="1524000" y="3602038"/>
-            <a:ext cx="9144000" cy="1655762"/>
+            <a:off x="2417780" y="3531204"/>
+            <a:ext cx="8637072" cy="977621"/>
           </a:xfrm>
         </p:spPr>
         <p:txBody>
-          <a:bodyPr/>
+          <a:bodyPr tIns="91440" bIns="91440">
+            <a:normAutofit/>
+          </a:bodyPr>
           <a:lstStyle>
-            <a:lvl1pPr marL="0" indent="0" algn="ctr">
-              <a:buNone/>
-              <a:defRPr sz="2400"/>
+            <a:lvl1pPr marL="0" indent="0" algn="l">
+              <a:buNone/>
+              <a:defRPr sz="1800" b="0" cap="all" baseline="0">
+                <a:solidFill>
+                  <a:schemeClr val="tx1"/>
+                </a:solidFill>
+              </a:defRPr>
             </a:lvl1pPr>
             <a:lvl2pPr marL="457200" indent="0" algn="ctr">
               <a:buNone/>
-              <a:defRPr sz="2000"/>
+              <a:defRPr sz="1800"/>
             </a:lvl2pPr>
             <a:lvl3pPr marL="914400" indent="0" algn="ctr">
               <a:buNone/>
@@ -234,18 +237,13 @@
               <a:rPr lang="en-US"/>
               <a:t>Click to edit Master subtitle style</a:t>
             </a:r>
-          </a:p>
-        </p:txBody>
-      </p:sp>
-      <p:sp>
-        <p:nvSpPr>
-          <p:cNvPr id="4" name="Date Placeholder 3">
-            <a:extLst>
-              <a:ext uri="{FF2B5EF4-FFF2-40B4-BE49-F238E27FC236}">
-                <a16:creationId xmlns:a16="http://schemas.microsoft.com/office/drawing/2014/main" id="{6D413E3C-51A5-42CB-954E-07BCA89E9D30}"/>
-              </a:ext>
-            </a:extLst>
-          </p:cNvPr>
+            <a:endParaRPr lang="en-US" dirty="0"/>
+          </a:p>
+        </p:txBody>
+      </p:sp>
+      <p:sp>
+        <p:nvSpPr>
+          <p:cNvPr id="4" name="Date Placeholder 3"/>
           <p:cNvSpPr>
             <a:spLocks noGrp="1"/>
           </p:cNvSpPr>
@@ -260,7 +258,7 @@
           <a:p>
             <a:fld id="{60EC4924-5A8D-48FD-ACE9-ABD0D4AC03A0}" type="datetimeFigureOut">
               <a:rPr lang="en-US" smtClean="0"/>
-              <a:t>12/1/2025</a:t>
+              <a:t>12/21/2025</a:t>
             </a:fld>
             <a:endParaRPr lang="en-US"/>
           </a:p>
@@ -268,13 +266,7 @@
       </p:sp>
       <p:sp>
         <p:nvSpPr>
-          <p:cNvPr id="5" name="Footer Placeholder 4">
-            <a:extLst>
-              <a:ext uri="{FF2B5EF4-FFF2-40B4-BE49-F238E27FC236}">
-                <a16:creationId xmlns:a16="http://schemas.microsoft.com/office/drawing/2014/main" id="{16B81F53-E710-413D-AE34-54A833E019DB}"/>
-              </a:ext>
-            </a:extLst>
-          </p:cNvPr>
+          <p:cNvPr id="5" name="Footer Placeholder 4"/>
           <p:cNvSpPr>
             <a:spLocks noGrp="1"/>
           </p:cNvSpPr>
@@ -282,7 +274,12 @@
             <p:ph type="ftr" sz="quarter" idx="11"/>
           </p:nvPr>
         </p:nvSpPr>
-        <p:spPr/>
+        <p:spPr>
+          <a:xfrm>
+            <a:off x="2416500" y="329307"/>
+            <a:ext cx="4973915" cy="309201"/>
+          </a:xfrm>
+        </p:spPr>
         <p:txBody>
           <a:bodyPr/>
           <a:lstStyle/>
@@ -293,13 +290,7 @@
       </p:sp>
       <p:sp>
         <p:nvSpPr>
-          <p:cNvPr id="6" name="Slide Number Placeholder 5">
-            <a:extLst>
-              <a:ext uri="{FF2B5EF4-FFF2-40B4-BE49-F238E27FC236}">
-                <a16:creationId xmlns:a16="http://schemas.microsoft.com/office/drawing/2014/main" id="{F6EB30F2-8558-4C15-915B-4D84FFF211E4}"/>
-              </a:ext>
-            </a:extLst>
-          </p:cNvPr>
+          <p:cNvPr id="6" name="Slide Number Placeholder 5"/>
           <p:cNvSpPr>
             <a:spLocks noGrp="1"/>
           </p:cNvSpPr>
@@ -307,7 +298,12 @@
             <p:ph type="sldNum" sz="quarter" idx="12"/>
           </p:nvPr>
         </p:nvSpPr>
-        <p:spPr/>
+        <p:spPr>
+          <a:xfrm>
+            <a:off x="1437664" y="798973"/>
+            <a:ext cx="811019" cy="503578"/>
+          </a:xfrm>
+        </p:spPr>
         <p:txBody>
           <a:bodyPr/>
           <a:lstStyle/>
@@ -320,10 +316,41 @@
           </a:p>
         </p:txBody>
       </p:sp>
+      <p:cxnSp>
+        <p:nvCxnSpPr>
+          <p:cNvPr id="15" name="Straight Connector 14"/>
+          <p:cNvCxnSpPr/>
+          <p:nvPr/>
+        </p:nvCxnSpPr>
+        <p:spPr>
+          <a:xfrm>
+            <a:off x="2417780" y="3528542"/>
+            <a:ext cx="8637072" cy="0"/>
+          </a:xfrm>
+          <a:prstGeom prst="line">
+            <a:avLst/>
+          </a:prstGeom>
+          <a:ln w="31750"/>
+        </p:spPr>
+        <p:style>
+          <a:lnRef idx="3">
+            <a:schemeClr val="accent1"/>
+          </a:lnRef>
+          <a:fillRef idx="0">
+            <a:schemeClr val="accent1"/>
+          </a:fillRef>
+          <a:effectRef idx="2">
+            <a:schemeClr val="accent1"/>
+          </a:effectRef>
+          <a:fontRef idx="minor">
+            <a:schemeClr val="tx1"/>
+          </a:fontRef>
+        </p:style>
+      </p:cxnSp>
     </p:spTree>
     <p:extLst>
       <p:ext uri="{BB962C8B-B14F-4D97-AF65-F5344CB8AC3E}">
-        <p14:creationId xmlns:p14="http://schemas.microsoft.com/office/powerpoint/2010/main" val="2315783293"/>
+        <p14:creationId xmlns:p14="http://schemas.microsoft.com/office/powerpoint/2010/main" val="3218827606"/>
       </p:ext>
     </p:extLst>
   </p:cSld>
@@ -352,13 +379,7 @@
       </p:grpSpPr>
       <p:sp>
         <p:nvSpPr>
-          <p:cNvPr id="2" name="Title 1">
-            <a:extLst>
-              <a:ext uri="{FF2B5EF4-FFF2-40B4-BE49-F238E27FC236}">
-                <a16:creationId xmlns:a16="http://schemas.microsoft.com/office/drawing/2014/main" id="{F69ED814-5BCF-4055-A05F-1B463C18BBD6}"/>
-              </a:ext>
-            </a:extLst>
-          </p:cNvPr>
+          <p:cNvPr id="2" name="Title 1"/>
           <p:cNvSpPr>
             <a:spLocks noGrp="1"/>
           </p:cNvSpPr>
@@ -375,18 +396,13 @@
               <a:rPr lang="en-US"/>
               <a:t>Click to edit Master title style</a:t>
             </a:r>
-          </a:p>
-        </p:txBody>
-      </p:sp>
-      <p:sp>
-        <p:nvSpPr>
-          <p:cNvPr id="3" name="Vertical Text Placeholder 2">
-            <a:extLst>
-              <a:ext uri="{FF2B5EF4-FFF2-40B4-BE49-F238E27FC236}">
-                <a16:creationId xmlns:a16="http://schemas.microsoft.com/office/drawing/2014/main" id="{F7A55DCE-0BB9-4610-83D1-CE2B5499F36D}"/>
-              </a:ext>
-            </a:extLst>
-          </p:cNvPr>
+            <a:endParaRPr lang="en-US" dirty="0"/>
+          </a:p>
+        </p:txBody>
+      </p:sp>
+      <p:sp>
+        <p:nvSpPr>
+          <p:cNvPr id="3" name="Vertical Text Placeholder 2"/>
           <p:cNvSpPr>
             <a:spLocks noGrp="1"/>
           </p:cNvSpPr>
@@ -432,18 +448,13 @@
               <a:rPr lang="en-US"/>
               <a:t>Fifth level</a:t>
             </a:r>
-          </a:p>
-        </p:txBody>
-      </p:sp>
-      <p:sp>
-        <p:nvSpPr>
-          <p:cNvPr id="4" name="Date Placeholder 3">
-            <a:extLst>
-              <a:ext uri="{FF2B5EF4-FFF2-40B4-BE49-F238E27FC236}">
-                <a16:creationId xmlns:a16="http://schemas.microsoft.com/office/drawing/2014/main" id="{17538980-8FC9-4C4F-AFC2-51E9C149AD56}"/>
-              </a:ext>
-            </a:extLst>
-          </p:cNvPr>
+            <a:endParaRPr lang="en-US" dirty="0"/>
+          </a:p>
+        </p:txBody>
+      </p:sp>
+      <p:sp>
+        <p:nvSpPr>
+          <p:cNvPr id="4" name="Date Placeholder 3"/>
           <p:cNvSpPr>
             <a:spLocks noGrp="1"/>
           </p:cNvSpPr>
@@ -458,7 +469,7 @@
           <a:p>
             <a:fld id="{60EC4924-5A8D-48FD-ACE9-ABD0D4AC03A0}" type="datetimeFigureOut">
               <a:rPr lang="en-US" smtClean="0"/>
-              <a:t>12/1/2025</a:t>
+              <a:t>12/21/2025</a:t>
             </a:fld>
             <a:endParaRPr lang="en-US"/>
           </a:p>
@@ -466,13 +477,7 @@
       </p:sp>
       <p:sp>
         <p:nvSpPr>
-          <p:cNvPr id="5" name="Footer Placeholder 4">
-            <a:extLst>
-              <a:ext uri="{FF2B5EF4-FFF2-40B4-BE49-F238E27FC236}">
-                <a16:creationId xmlns:a16="http://schemas.microsoft.com/office/drawing/2014/main" id="{8629EB24-9170-4739-A840-DFC04E6244EF}"/>
-              </a:ext>
-            </a:extLst>
-          </p:cNvPr>
+          <p:cNvPr id="5" name="Footer Placeholder 4"/>
           <p:cNvSpPr>
             <a:spLocks noGrp="1"/>
           </p:cNvSpPr>
@@ -491,13 +496,7 @@
       </p:sp>
       <p:sp>
         <p:nvSpPr>
-          <p:cNvPr id="6" name="Slide Number Placeholder 5">
-            <a:extLst>
-              <a:ext uri="{FF2B5EF4-FFF2-40B4-BE49-F238E27FC236}">
-                <a16:creationId xmlns:a16="http://schemas.microsoft.com/office/drawing/2014/main" id="{370CF160-041A-4D48-8C3F-1852261DA8AE}"/>
-              </a:ext>
-            </a:extLst>
-          </p:cNvPr>
+          <p:cNvPr id="6" name="Slide Number Placeholder 5"/>
           <p:cNvSpPr>
             <a:spLocks noGrp="1"/>
           </p:cNvSpPr>
@@ -518,10 +517,41 @@
           </a:p>
         </p:txBody>
       </p:sp>
+      <p:cxnSp>
+        <p:nvCxnSpPr>
+          <p:cNvPr id="26" name="Straight Connector 25"/>
+          <p:cNvCxnSpPr/>
+          <p:nvPr/>
+        </p:nvCxnSpPr>
+        <p:spPr>
+          <a:xfrm>
+            <a:off x="1453896" y="1847088"/>
+            <a:ext cx="9607522" cy="0"/>
+          </a:xfrm>
+          <a:prstGeom prst="line">
+            <a:avLst/>
+          </a:prstGeom>
+          <a:ln w="31750"/>
+        </p:spPr>
+        <p:style>
+          <a:lnRef idx="3">
+            <a:schemeClr val="accent1"/>
+          </a:lnRef>
+          <a:fillRef idx="0">
+            <a:schemeClr val="accent1"/>
+          </a:fillRef>
+          <a:effectRef idx="2">
+            <a:schemeClr val="accent1"/>
+          </a:effectRef>
+          <a:fontRef idx="minor">
+            <a:schemeClr val="tx1"/>
+          </a:fontRef>
+        </p:style>
+      </p:cxnSp>
     </p:spTree>
     <p:extLst>
       <p:ext uri="{BB962C8B-B14F-4D97-AF65-F5344CB8AC3E}">
-        <p14:creationId xmlns:p14="http://schemas.microsoft.com/office/powerpoint/2010/main" val="3318077584"/>
+        <p14:creationId xmlns:p14="http://schemas.microsoft.com/office/powerpoint/2010/main" val="4111080471"/>
       </p:ext>
     </p:extLst>
   </p:cSld>
@@ -550,13 +580,7 @@
       </p:grpSpPr>
       <p:sp>
         <p:nvSpPr>
-          <p:cNvPr id="2" name="Vertical Title 1">
-            <a:extLst>
-              <a:ext uri="{FF2B5EF4-FFF2-40B4-BE49-F238E27FC236}">
-                <a16:creationId xmlns:a16="http://schemas.microsoft.com/office/drawing/2014/main" id="{49B2F0B2-00E4-4382-9AFC-FC78453CF7A3}"/>
-              </a:ext>
-            </a:extLst>
-          </p:cNvPr>
+          <p:cNvPr id="2" name="Vertical Title 1"/>
           <p:cNvSpPr>
             <a:spLocks noGrp="1"/>
           </p:cNvSpPr>
@@ -566,30 +590,29 @@
         </p:nvSpPr>
         <p:spPr>
           <a:xfrm>
-            <a:off x="8724900" y="365125"/>
-            <a:ext cx="2628900" cy="5811838"/>
+            <a:off x="9439111" y="798973"/>
+            <a:ext cx="1615742" cy="4659889"/>
           </a:xfrm>
         </p:spPr>
         <p:txBody>
           <a:bodyPr vert="eaVert"/>
-          <a:lstStyle/>
+          <a:lstStyle>
+            <a:lvl1pPr algn="l">
+              <a:defRPr/>
+            </a:lvl1pPr>
+          </a:lstStyle>
           <a:p>
             <a:r>
               <a:rPr lang="en-US"/>
               <a:t>Click to edit Master title style</a:t>
             </a:r>
-          </a:p>
-        </p:txBody>
-      </p:sp>
-      <p:sp>
-        <p:nvSpPr>
-          <p:cNvPr id="3" name="Vertical Text Placeholder 2">
-            <a:extLst>
-              <a:ext uri="{FF2B5EF4-FFF2-40B4-BE49-F238E27FC236}">
-                <a16:creationId xmlns:a16="http://schemas.microsoft.com/office/drawing/2014/main" id="{2E50308B-1890-4C6B-BA5E-97512F14DB2A}"/>
-              </a:ext>
-            </a:extLst>
-          </p:cNvPr>
+            <a:endParaRPr lang="en-US" dirty="0"/>
+          </a:p>
+        </p:txBody>
+      </p:sp>
+      <p:sp>
+        <p:nvSpPr>
+          <p:cNvPr id="3" name="Vertical Text Placeholder 2"/>
           <p:cNvSpPr>
             <a:spLocks noGrp="1"/>
           </p:cNvSpPr>
@@ -599,8 +622,8 @@
         </p:nvSpPr>
         <p:spPr>
           <a:xfrm>
-            <a:off x="838200" y="365125"/>
-            <a:ext cx="7734300" cy="5811838"/>
+            <a:off x="1444672" y="798973"/>
+            <a:ext cx="7828830" cy="4659889"/>
           </a:xfrm>
         </p:spPr>
         <p:txBody>
@@ -640,18 +663,13 @@
               <a:rPr lang="en-US"/>
               <a:t>Fifth level</a:t>
             </a:r>
-          </a:p>
-        </p:txBody>
-      </p:sp>
-      <p:sp>
-        <p:nvSpPr>
-          <p:cNvPr id="4" name="Date Placeholder 3">
-            <a:extLst>
-              <a:ext uri="{FF2B5EF4-FFF2-40B4-BE49-F238E27FC236}">
-                <a16:creationId xmlns:a16="http://schemas.microsoft.com/office/drawing/2014/main" id="{F0318E6A-83D1-4460-938F-973D7F995668}"/>
-              </a:ext>
-            </a:extLst>
-          </p:cNvPr>
+            <a:endParaRPr lang="en-US" dirty="0"/>
+          </a:p>
+        </p:txBody>
+      </p:sp>
+      <p:sp>
+        <p:nvSpPr>
+          <p:cNvPr id="4" name="Date Placeholder 3"/>
           <p:cNvSpPr>
             <a:spLocks noGrp="1"/>
           </p:cNvSpPr>
@@ -666,7 +684,7 @@
           <a:p>
             <a:fld id="{60EC4924-5A8D-48FD-ACE9-ABD0D4AC03A0}" type="datetimeFigureOut">
               <a:rPr lang="en-US" smtClean="0"/>
-              <a:t>12/1/2025</a:t>
+              <a:t>12/21/2025</a:t>
             </a:fld>
             <a:endParaRPr lang="en-US"/>
           </a:p>
@@ -674,13 +692,7 @@
       </p:sp>
       <p:sp>
         <p:nvSpPr>
-          <p:cNvPr id="5" name="Footer Placeholder 4">
-            <a:extLst>
-              <a:ext uri="{FF2B5EF4-FFF2-40B4-BE49-F238E27FC236}">
-                <a16:creationId xmlns:a16="http://schemas.microsoft.com/office/drawing/2014/main" id="{5A8F0985-E1FE-41CD-B0CD-5E85310EF7DE}"/>
-              </a:ext>
-            </a:extLst>
-          </p:cNvPr>
+          <p:cNvPr id="5" name="Footer Placeholder 4"/>
           <p:cNvSpPr>
             <a:spLocks noGrp="1"/>
           </p:cNvSpPr>
@@ -699,13 +711,7 @@
       </p:sp>
       <p:sp>
         <p:nvSpPr>
-          <p:cNvPr id="6" name="Slide Number Placeholder 5">
-            <a:extLst>
-              <a:ext uri="{FF2B5EF4-FFF2-40B4-BE49-F238E27FC236}">
-                <a16:creationId xmlns:a16="http://schemas.microsoft.com/office/drawing/2014/main" id="{5EF14ACC-412D-429A-9A52-99D8EE56CAEA}"/>
-              </a:ext>
-            </a:extLst>
-          </p:cNvPr>
+          <p:cNvPr id="6" name="Slide Number Placeholder 5"/>
           <p:cNvSpPr>
             <a:spLocks noGrp="1"/>
           </p:cNvSpPr>
@@ -726,10 +732,41 @@
           </a:p>
         </p:txBody>
       </p:sp>
+      <p:cxnSp>
+        <p:nvCxnSpPr>
+          <p:cNvPr id="15" name="Straight Connector 14"/>
+          <p:cNvCxnSpPr/>
+          <p:nvPr/>
+        </p:nvCxnSpPr>
+        <p:spPr>
+          <a:xfrm>
+            <a:off x="9439111" y="798973"/>
+            <a:ext cx="0" cy="4659889"/>
+          </a:xfrm>
+          <a:prstGeom prst="line">
+            <a:avLst/>
+          </a:prstGeom>
+          <a:ln w="31750"/>
+        </p:spPr>
+        <p:style>
+          <a:lnRef idx="3">
+            <a:schemeClr val="accent1"/>
+          </a:lnRef>
+          <a:fillRef idx="0">
+            <a:schemeClr val="accent1"/>
+          </a:fillRef>
+          <a:effectRef idx="2">
+            <a:schemeClr val="accent1"/>
+          </a:effectRef>
+          <a:fontRef idx="minor">
+            <a:schemeClr val="tx1"/>
+          </a:fontRef>
+        </p:style>
+      </p:cxnSp>
     </p:spTree>
     <p:extLst>
       <p:ext uri="{BB962C8B-B14F-4D97-AF65-F5344CB8AC3E}">
-        <p14:creationId xmlns:p14="http://schemas.microsoft.com/office/powerpoint/2010/main" val="1547152651"/>
+        <p14:creationId xmlns:p14="http://schemas.microsoft.com/office/powerpoint/2010/main" val="1766195692"/>
       </p:ext>
     </p:extLst>
   </p:cSld>
@@ -758,13 +795,7 @@
       </p:grpSpPr>
       <p:sp>
         <p:nvSpPr>
-          <p:cNvPr id="2" name="Title 1">
-            <a:extLst>
-              <a:ext uri="{FF2B5EF4-FFF2-40B4-BE49-F238E27FC236}">
-                <a16:creationId xmlns:a16="http://schemas.microsoft.com/office/drawing/2014/main" id="{44D8855C-CC23-4A62-B089-C87EFC2EA5F1}"/>
-              </a:ext>
-            </a:extLst>
-          </p:cNvPr>
+          <p:cNvPr id="2" name="Title 1"/>
           <p:cNvSpPr>
             <a:spLocks noGrp="1"/>
           </p:cNvSpPr>
@@ -781,18 +812,13 @@
               <a:rPr lang="en-US"/>
               <a:t>Click to edit Master title style</a:t>
             </a:r>
-          </a:p>
-        </p:txBody>
-      </p:sp>
-      <p:sp>
-        <p:nvSpPr>
-          <p:cNvPr id="3" name="Content Placeholder 2">
-            <a:extLst>
-              <a:ext uri="{FF2B5EF4-FFF2-40B4-BE49-F238E27FC236}">
-                <a16:creationId xmlns:a16="http://schemas.microsoft.com/office/drawing/2014/main" id="{3E8C4200-D115-48A3-95B8-DB4FD7934441}"/>
-              </a:ext>
-            </a:extLst>
-          </p:cNvPr>
+            <a:endParaRPr lang="en-US" dirty="0"/>
+          </a:p>
+        </p:txBody>
+      </p:sp>
+      <p:sp>
+        <p:nvSpPr>
+          <p:cNvPr id="3" name="Content Placeholder 2"/>
           <p:cNvSpPr>
             <a:spLocks noGrp="1"/>
           </p:cNvSpPr>
@@ -802,7 +828,7 @@
         </p:nvSpPr>
         <p:spPr/>
         <p:txBody>
-          <a:bodyPr/>
+          <a:bodyPr anchor="t"/>
           <a:lstStyle/>
           <a:p>
             <a:pPr lvl="0"/>
@@ -838,18 +864,13 @@
               <a:rPr lang="en-US"/>
               <a:t>Fifth level</a:t>
             </a:r>
-          </a:p>
-        </p:txBody>
-      </p:sp>
-      <p:sp>
-        <p:nvSpPr>
-          <p:cNvPr id="4" name="Date Placeholder 3">
-            <a:extLst>
-              <a:ext uri="{FF2B5EF4-FFF2-40B4-BE49-F238E27FC236}">
-                <a16:creationId xmlns:a16="http://schemas.microsoft.com/office/drawing/2014/main" id="{741EE16D-196C-49EA-AD4A-460BDE298FBC}"/>
-              </a:ext>
-            </a:extLst>
-          </p:cNvPr>
+            <a:endParaRPr lang="en-US" dirty="0"/>
+          </a:p>
+        </p:txBody>
+      </p:sp>
+      <p:sp>
+        <p:nvSpPr>
+          <p:cNvPr id="4" name="Date Placeholder 3"/>
           <p:cNvSpPr>
             <a:spLocks noGrp="1"/>
           </p:cNvSpPr>
@@ -864,7 +885,7 @@
           <a:p>
             <a:fld id="{60EC4924-5A8D-48FD-ACE9-ABD0D4AC03A0}" type="datetimeFigureOut">
               <a:rPr lang="en-US" smtClean="0"/>
-              <a:t>12/1/2025</a:t>
+              <a:t>12/21/2025</a:t>
             </a:fld>
             <a:endParaRPr lang="en-US"/>
           </a:p>
@@ -872,13 +893,7 @@
       </p:sp>
       <p:sp>
         <p:nvSpPr>
-          <p:cNvPr id="5" name="Footer Placeholder 4">
-            <a:extLst>
-              <a:ext uri="{FF2B5EF4-FFF2-40B4-BE49-F238E27FC236}">
-                <a16:creationId xmlns:a16="http://schemas.microsoft.com/office/drawing/2014/main" id="{933C2C66-750F-479E-8FF9-293C5B29B970}"/>
-              </a:ext>
-            </a:extLst>
-          </p:cNvPr>
+          <p:cNvPr id="5" name="Footer Placeholder 4"/>
           <p:cNvSpPr>
             <a:spLocks noGrp="1"/>
           </p:cNvSpPr>
@@ -897,13 +912,7 @@
       </p:sp>
       <p:sp>
         <p:nvSpPr>
-          <p:cNvPr id="6" name="Slide Number Placeholder 5">
-            <a:extLst>
-              <a:ext uri="{FF2B5EF4-FFF2-40B4-BE49-F238E27FC236}">
-                <a16:creationId xmlns:a16="http://schemas.microsoft.com/office/drawing/2014/main" id="{F70AD362-5F61-470C-AC9D-915B3796C8A9}"/>
-              </a:ext>
-            </a:extLst>
-          </p:cNvPr>
+          <p:cNvPr id="6" name="Slide Number Placeholder 5"/>
           <p:cNvSpPr>
             <a:spLocks noGrp="1"/>
           </p:cNvSpPr>
@@ -924,10 +933,41 @@
           </a:p>
         </p:txBody>
       </p:sp>
+      <p:cxnSp>
+        <p:nvCxnSpPr>
+          <p:cNvPr id="33" name="Straight Connector 32"/>
+          <p:cNvCxnSpPr/>
+          <p:nvPr/>
+        </p:nvCxnSpPr>
+        <p:spPr>
+          <a:xfrm>
+            <a:off x="1453896" y="1847088"/>
+            <a:ext cx="9607522" cy="0"/>
+          </a:xfrm>
+          <a:prstGeom prst="line">
+            <a:avLst/>
+          </a:prstGeom>
+          <a:ln w="31750"/>
+        </p:spPr>
+        <p:style>
+          <a:lnRef idx="3">
+            <a:schemeClr val="accent1"/>
+          </a:lnRef>
+          <a:fillRef idx="0">
+            <a:schemeClr val="accent1"/>
+          </a:fillRef>
+          <a:effectRef idx="2">
+            <a:schemeClr val="accent1"/>
+          </a:effectRef>
+          <a:fontRef idx="minor">
+            <a:schemeClr val="tx1"/>
+          </a:fontRef>
+        </p:style>
+      </p:cxnSp>
     </p:spTree>
     <p:extLst>
       <p:ext uri="{BB962C8B-B14F-4D97-AF65-F5344CB8AC3E}">
-        <p14:creationId xmlns:p14="http://schemas.microsoft.com/office/powerpoint/2010/main" val="1862168907"/>
+        <p14:creationId xmlns:p14="http://schemas.microsoft.com/office/powerpoint/2010/main" val="3960025392"/>
       </p:ext>
     </p:extLst>
   </p:cSld>
@@ -956,13 +996,7 @@
       </p:grpSpPr>
       <p:sp>
         <p:nvSpPr>
-          <p:cNvPr id="2" name="Title 1">
-            <a:extLst>
-              <a:ext uri="{FF2B5EF4-FFF2-40B4-BE49-F238E27FC236}">
-                <a16:creationId xmlns:a16="http://schemas.microsoft.com/office/drawing/2014/main" id="{162E69C0-CC9F-45E7-8349-20217E1E81F0}"/>
-              </a:ext>
-            </a:extLst>
-          </p:cNvPr>
+          <p:cNvPr id="2" name="Title 1"/>
           <p:cNvSpPr>
             <a:spLocks noGrp="1"/>
           </p:cNvSpPr>
@@ -972,15 +1006,17 @@
         </p:nvSpPr>
         <p:spPr>
           <a:xfrm>
-            <a:off x="831850" y="1709738"/>
-            <a:ext cx="10515600" cy="2852737"/>
+            <a:off x="1454239" y="1756130"/>
+            <a:ext cx="8643154" cy="1887950"/>
           </a:xfrm>
         </p:spPr>
         <p:txBody>
-          <a:bodyPr anchor="b"/>
+          <a:bodyPr anchor="b">
+            <a:normAutofit/>
+          </a:bodyPr>
           <a:lstStyle>
-            <a:lvl1pPr>
-              <a:defRPr sz="6000"/>
+            <a:lvl1pPr algn="l">
+              <a:defRPr sz="3600"/>
             </a:lvl1pPr>
           </a:lstStyle>
           <a:p>
@@ -988,18 +1024,13 @@
               <a:rPr lang="en-US"/>
               <a:t>Click to edit Master title style</a:t>
             </a:r>
-          </a:p>
-        </p:txBody>
-      </p:sp>
-      <p:sp>
-        <p:nvSpPr>
-          <p:cNvPr id="3" name="Text Placeholder 2">
-            <a:extLst>
-              <a:ext uri="{FF2B5EF4-FFF2-40B4-BE49-F238E27FC236}">
-                <a16:creationId xmlns:a16="http://schemas.microsoft.com/office/drawing/2014/main" id="{13E5C978-2F88-4DAE-A41D-0252DC54EFEA}"/>
-              </a:ext>
-            </a:extLst>
-          </p:cNvPr>
+            <a:endParaRPr lang="en-US" dirty="0"/>
+          </a:p>
+        </p:txBody>
+      </p:sp>
+      <p:sp>
+        <p:nvSpPr>
+          <p:cNvPr id="3" name="Text Placeholder 2"/>
           <p:cNvSpPr>
             <a:spLocks noGrp="1"/>
           </p:cNvSpPr>
@@ -1009,26 +1040,26 @@
         </p:nvSpPr>
         <p:spPr>
           <a:xfrm>
-            <a:off x="831850" y="4589463"/>
-            <a:ext cx="10515600" cy="1500187"/>
+            <a:off x="1454239" y="3806195"/>
+            <a:ext cx="8630446" cy="1012929"/>
           </a:xfrm>
         </p:spPr>
         <p:txBody>
-          <a:bodyPr/>
+          <a:bodyPr tIns="91440">
+            <a:normAutofit/>
+          </a:bodyPr>
           <a:lstStyle>
-            <a:lvl1pPr marL="0" indent="0">
-              <a:buNone/>
-              <a:defRPr sz="2400">
+            <a:lvl1pPr marL="0" indent="0" algn="l">
+              <a:buNone/>
+              <a:defRPr sz="1800">
                 <a:solidFill>
-                  <a:schemeClr val="tx1">
-                    <a:tint val="75000"/>
-                  </a:schemeClr>
+                  <a:schemeClr val="tx1"/>
                 </a:solidFill>
               </a:defRPr>
             </a:lvl1pPr>
             <a:lvl2pPr marL="457200" indent="0">
               <a:buNone/>
-              <a:defRPr sz="2000">
+              <a:defRPr sz="1800">
                 <a:solidFill>
                   <a:schemeClr val="tx1">
                     <a:tint val="75000"/>
@@ -1118,13 +1149,7 @@
       </p:sp>
       <p:sp>
         <p:nvSpPr>
-          <p:cNvPr id="4" name="Date Placeholder 3">
-            <a:extLst>
-              <a:ext uri="{FF2B5EF4-FFF2-40B4-BE49-F238E27FC236}">
-                <a16:creationId xmlns:a16="http://schemas.microsoft.com/office/drawing/2014/main" id="{4EB5C6F7-A1A4-4535-9742-CE15841AF16C}"/>
-              </a:ext>
-            </a:extLst>
-          </p:cNvPr>
+          <p:cNvPr id="4" name="Date Placeholder 3"/>
           <p:cNvSpPr>
             <a:spLocks noGrp="1"/>
           </p:cNvSpPr>
@@ -1139,7 +1164,7 @@
           <a:p>
             <a:fld id="{60EC4924-5A8D-48FD-ACE9-ABD0D4AC03A0}" type="datetimeFigureOut">
               <a:rPr lang="en-US" smtClean="0"/>
-              <a:t>12/1/2025</a:t>
+              <a:t>12/21/2025</a:t>
             </a:fld>
             <a:endParaRPr lang="en-US"/>
           </a:p>
@@ -1147,13 +1172,7 @@
       </p:sp>
       <p:sp>
         <p:nvSpPr>
-          <p:cNvPr id="5" name="Footer Placeholder 4">
-            <a:extLst>
-              <a:ext uri="{FF2B5EF4-FFF2-40B4-BE49-F238E27FC236}">
-                <a16:creationId xmlns:a16="http://schemas.microsoft.com/office/drawing/2014/main" id="{FC4EEAFB-E869-40D9-9596-74E351F3044B}"/>
-              </a:ext>
-            </a:extLst>
-          </p:cNvPr>
+          <p:cNvPr id="5" name="Footer Placeholder 4"/>
           <p:cNvSpPr>
             <a:spLocks noGrp="1"/>
           </p:cNvSpPr>
@@ -1172,13 +1191,7 @@
       </p:sp>
       <p:sp>
         <p:nvSpPr>
-          <p:cNvPr id="6" name="Slide Number Placeholder 5">
-            <a:extLst>
-              <a:ext uri="{FF2B5EF4-FFF2-40B4-BE49-F238E27FC236}">
-                <a16:creationId xmlns:a16="http://schemas.microsoft.com/office/drawing/2014/main" id="{EF28547F-AF0E-4BAA-BCEF-655F36BDCA56}"/>
-              </a:ext>
-            </a:extLst>
-          </p:cNvPr>
+          <p:cNvPr id="6" name="Slide Number Placeholder 5"/>
           <p:cNvSpPr>
             <a:spLocks noGrp="1"/>
           </p:cNvSpPr>
@@ -1199,10 +1212,41 @@
           </a:p>
         </p:txBody>
       </p:sp>
+      <p:cxnSp>
+        <p:nvCxnSpPr>
+          <p:cNvPr id="15" name="Straight Connector 14"/>
+          <p:cNvCxnSpPr/>
+          <p:nvPr/>
+        </p:nvCxnSpPr>
+        <p:spPr>
+          <a:xfrm>
+            <a:off x="1454239" y="3804985"/>
+            <a:ext cx="8630446" cy="0"/>
+          </a:xfrm>
+          <a:prstGeom prst="line">
+            <a:avLst/>
+          </a:prstGeom>
+          <a:ln w="31750"/>
+        </p:spPr>
+        <p:style>
+          <a:lnRef idx="3">
+            <a:schemeClr val="accent1"/>
+          </a:lnRef>
+          <a:fillRef idx="0">
+            <a:schemeClr val="accent1"/>
+          </a:fillRef>
+          <a:effectRef idx="2">
+            <a:schemeClr val="accent1"/>
+          </a:effectRef>
+          <a:fontRef idx="minor">
+            <a:schemeClr val="tx1"/>
+          </a:fontRef>
+        </p:style>
+      </p:cxnSp>
     </p:spTree>
     <p:extLst>
       <p:ext uri="{BB962C8B-B14F-4D97-AF65-F5344CB8AC3E}">
-        <p14:creationId xmlns:p14="http://schemas.microsoft.com/office/powerpoint/2010/main" val="2988357657"/>
+        <p14:creationId xmlns:p14="http://schemas.microsoft.com/office/powerpoint/2010/main" val="3443859392"/>
       </p:ext>
     </p:extLst>
   </p:cSld>
@@ -1231,114 +1275,46 @@
       </p:grpSpPr>
       <p:sp>
         <p:nvSpPr>
-          <p:cNvPr id="2" name="Title 1">
-            <a:extLst>
-              <a:ext uri="{FF2B5EF4-FFF2-40B4-BE49-F238E27FC236}">
-                <a16:creationId xmlns:a16="http://schemas.microsoft.com/office/drawing/2014/main" id="{5964268E-D29D-49AA-99FE-C23A262537A2}"/>
-              </a:ext>
-            </a:extLst>
-          </p:cNvPr>
+          <p:cNvPr id="2" name="Title 1"/>
           <p:cNvSpPr>
             <a:spLocks noGrp="1"/>
           </p:cNvSpPr>
           <p:nvPr>
             <p:ph type="title"/>
-          </p:nvPr>
-        </p:nvSpPr>
-        <p:spPr/>
-        <p:txBody>
-          <a:bodyPr/>
-          <a:lstStyle/>
-          <a:p>
-            <a:r>
-              <a:rPr lang="en-US"/>
-              <a:t>Click to edit Master title style</a:t>
-            </a:r>
-          </a:p>
-        </p:txBody>
-      </p:sp>
-      <p:sp>
-        <p:nvSpPr>
-          <p:cNvPr id="3" name="Content Placeholder 2">
-            <a:extLst>
-              <a:ext uri="{FF2B5EF4-FFF2-40B4-BE49-F238E27FC236}">
-                <a16:creationId xmlns:a16="http://schemas.microsoft.com/office/drawing/2014/main" id="{AA951BA2-5303-4831-80AF-B9FE25281637}"/>
-              </a:ext>
-            </a:extLst>
-          </p:cNvPr>
-          <p:cNvSpPr>
-            <a:spLocks noGrp="1"/>
-          </p:cNvSpPr>
-          <p:nvPr>
-            <p:ph sz="half" idx="1"/>
           </p:nvPr>
         </p:nvSpPr>
         <p:spPr>
           <a:xfrm>
-            <a:off x="838200" y="1825625"/>
-            <a:ext cx="5181600" cy="4351338"/>
+            <a:off x="1449217" y="804889"/>
+            <a:ext cx="9605635" cy="1059305"/>
           </a:xfrm>
         </p:spPr>
         <p:txBody>
           <a:bodyPr/>
           <a:lstStyle/>
           <a:p>
-            <a:pPr lvl="0"/>
-            <a:r>
-              <a:rPr lang="en-US"/>
-              <a:t>Click to edit Master text styles</a:t>
-            </a:r>
-          </a:p>
-          <a:p>
-            <a:pPr lvl="1"/>
-            <a:r>
-              <a:rPr lang="en-US"/>
-              <a:t>Second level</a:t>
-            </a:r>
-          </a:p>
-          <a:p>
-            <a:pPr lvl="2"/>
-            <a:r>
-              <a:rPr lang="en-US"/>
-              <a:t>Third level</a:t>
-            </a:r>
-          </a:p>
-          <a:p>
-            <a:pPr lvl="3"/>
-            <a:r>
-              <a:rPr lang="en-US"/>
-              <a:t>Fourth level</a:t>
-            </a:r>
-          </a:p>
-          <a:p>
-            <a:pPr lvl="4"/>
-            <a:r>
-              <a:rPr lang="en-US"/>
-              <a:t>Fifth level</a:t>
-            </a:r>
-          </a:p>
-        </p:txBody>
-      </p:sp>
-      <p:sp>
-        <p:nvSpPr>
-          <p:cNvPr id="4" name="Content Placeholder 3">
-            <a:extLst>
-              <a:ext uri="{FF2B5EF4-FFF2-40B4-BE49-F238E27FC236}">
-                <a16:creationId xmlns:a16="http://schemas.microsoft.com/office/drawing/2014/main" id="{31D4CBB7-212E-4126-8553-9A8AD0753C0B}"/>
-              </a:ext>
-            </a:extLst>
-          </p:cNvPr>
-          <p:cNvSpPr>
-            <a:spLocks noGrp="1"/>
-          </p:cNvSpPr>
-          <p:nvPr>
-            <p:ph sz="half" idx="2"/>
+            <a:r>
+              <a:rPr lang="en-US"/>
+              <a:t>Click to edit Master title style</a:t>
+            </a:r>
+            <a:endParaRPr lang="en-US" dirty="0"/>
+          </a:p>
+        </p:txBody>
+      </p:sp>
+      <p:sp>
+        <p:nvSpPr>
+          <p:cNvPr id="3" name="Content Placeholder 2"/>
+          <p:cNvSpPr>
+            <a:spLocks noGrp="1"/>
+          </p:cNvSpPr>
+          <p:nvPr>
+            <p:ph sz="half" idx="1"/>
           </p:nvPr>
         </p:nvSpPr>
         <p:spPr>
           <a:xfrm>
-            <a:off x="6172200" y="1825625"/>
-            <a:ext cx="5181600" cy="4351338"/>
+            <a:off x="1447331" y="2010878"/>
+            <a:ext cx="4645152" cy="3448595"/>
           </a:xfrm>
         </p:spPr>
         <p:txBody>
@@ -1378,18 +1354,70 @@
               <a:rPr lang="en-US"/>
               <a:t>Fifth level</a:t>
             </a:r>
-          </a:p>
-        </p:txBody>
-      </p:sp>
-      <p:sp>
-        <p:nvSpPr>
-          <p:cNvPr id="5" name="Date Placeholder 4">
-            <a:extLst>
-              <a:ext uri="{FF2B5EF4-FFF2-40B4-BE49-F238E27FC236}">
-                <a16:creationId xmlns:a16="http://schemas.microsoft.com/office/drawing/2014/main" id="{1C197A76-7CFF-413B-9FE4-4B79F35128B0}"/>
-              </a:ext>
-            </a:extLst>
-          </p:cNvPr>
+            <a:endParaRPr lang="en-US" dirty="0"/>
+          </a:p>
+        </p:txBody>
+      </p:sp>
+      <p:sp>
+        <p:nvSpPr>
+          <p:cNvPr id="4" name="Content Placeholder 3"/>
+          <p:cNvSpPr>
+            <a:spLocks noGrp="1"/>
+          </p:cNvSpPr>
+          <p:nvPr>
+            <p:ph sz="half" idx="2"/>
+          </p:nvPr>
+        </p:nvSpPr>
+        <p:spPr>
+          <a:xfrm>
+            <a:off x="6413771" y="2017343"/>
+            <a:ext cx="4645152" cy="3441520"/>
+          </a:xfrm>
+        </p:spPr>
+        <p:txBody>
+          <a:bodyPr/>
+          <a:lstStyle/>
+          <a:p>
+            <a:pPr lvl="0"/>
+            <a:r>
+              <a:rPr lang="en-US"/>
+              <a:t>Click to edit Master text styles</a:t>
+            </a:r>
+          </a:p>
+          <a:p>
+            <a:pPr lvl="1"/>
+            <a:r>
+              <a:rPr lang="en-US"/>
+              <a:t>Second level</a:t>
+            </a:r>
+          </a:p>
+          <a:p>
+            <a:pPr lvl="2"/>
+            <a:r>
+              <a:rPr lang="en-US"/>
+              <a:t>Third level</a:t>
+            </a:r>
+          </a:p>
+          <a:p>
+            <a:pPr lvl="3"/>
+            <a:r>
+              <a:rPr lang="en-US"/>
+              <a:t>Fourth level</a:t>
+            </a:r>
+          </a:p>
+          <a:p>
+            <a:pPr lvl="4"/>
+            <a:r>
+              <a:rPr lang="en-US"/>
+              <a:t>Fifth level</a:t>
+            </a:r>
+            <a:endParaRPr lang="en-US" dirty="0"/>
+          </a:p>
+        </p:txBody>
+      </p:sp>
+      <p:sp>
+        <p:nvSpPr>
+          <p:cNvPr id="5" name="Date Placeholder 4"/>
           <p:cNvSpPr>
             <a:spLocks noGrp="1"/>
           </p:cNvSpPr>
@@ -1404,7 +1432,7 @@
           <a:p>
             <a:fld id="{60EC4924-5A8D-48FD-ACE9-ABD0D4AC03A0}" type="datetimeFigureOut">
               <a:rPr lang="en-US" smtClean="0"/>
-              <a:t>12/1/2025</a:t>
+              <a:t>12/21/2025</a:t>
             </a:fld>
             <a:endParaRPr lang="en-US"/>
           </a:p>
@@ -1412,13 +1440,7 @@
       </p:sp>
       <p:sp>
         <p:nvSpPr>
-          <p:cNvPr id="6" name="Footer Placeholder 5">
-            <a:extLst>
-              <a:ext uri="{FF2B5EF4-FFF2-40B4-BE49-F238E27FC236}">
-                <a16:creationId xmlns:a16="http://schemas.microsoft.com/office/drawing/2014/main" id="{25D3B102-20D4-4053-9B24-33F4800F84CE}"/>
-              </a:ext>
-            </a:extLst>
-          </p:cNvPr>
+          <p:cNvPr id="6" name="Footer Placeholder 5"/>
           <p:cNvSpPr>
             <a:spLocks noGrp="1"/>
           </p:cNvSpPr>
@@ -1437,13 +1459,7 @@
       </p:sp>
       <p:sp>
         <p:nvSpPr>
-          <p:cNvPr id="7" name="Slide Number Placeholder 6">
-            <a:extLst>
-              <a:ext uri="{FF2B5EF4-FFF2-40B4-BE49-F238E27FC236}">
-                <a16:creationId xmlns:a16="http://schemas.microsoft.com/office/drawing/2014/main" id="{B8A0F853-DAC3-4B3D-9F5D-EE56089B9315}"/>
-              </a:ext>
-            </a:extLst>
-          </p:cNvPr>
+          <p:cNvPr id="7" name="Slide Number Placeholder 6"/>
           <p:cNvSpPr>
             <a:spLocks noGrp="1"/>
           </p:cNvSpPr>
@@ -1464,10 +1480,41 @@
           </a:p>
         </p:txBody>
       </p:sp>
+      <p:cxnSp>
+        <p:nvCxnSpPr>
+          <p:cNvPr id="35" name="Straight Connector 34"/>
+          <p:cNvCxnSpPr/>
+          <p:nvPr/>
+        </p:nvCxnSpPr>
+        <p:spPr>
+          <a:xfrm>
+            <a:off x="1453896" y="1847088"/>
+            <a:ext cx="9607522" cy="0"/>
+          </a:xfrm>
+          <a:prstGeom prst="line">
+            <a:avLst/>
+          </a:prstGeom>
+          <a:ln w="31750"/>
+        </p:spPr>
+        <p:style>
+          <a:lnRef idx="3">
+            <a:schemeClr val="accent1"/>
+          </a:lnRef>
+          <a:fillRef idx="0">
+            <a:schemeClr val="accent1"/>
+          </a:fillRef>
+          <a:effectRef idx="2">
+            <a:schemeClr val="accent1"/>
+          </a:effectRef>
+          <a:fontRef idx="minor">
+            <a:schemeClr val="tx1"/>
+          </a:fontRef>
+        </p:style>
+      </p:cxnSp>
     </p:spTree>
     <p:extLst>
       <p:ext uri="{BB962C8B-B14F-4D97-AF65-F5344CB8AC3E}">
-        <p14:creationId xmlns:p14="http://schemas.microsoft.com/office/powerpoint/2010/main" val="440330517"/>
+        <p14:creationId xmlns:p14="http://schemas.microsoft.com/office/powerpoint/2010/main" val="40155863"/>
       </p:ext>
     </p:extLst>
   </p:cSld>
@@ -1496,13 +1543,7 @@
       </p:grpSpPr>
       <p:sp>
         <p:nvSpPr>
-          <p:cNvPr id="2" name="Title 1">
-            <a:extLst>
-              <a:ext uri="{FF2B5EF4-FFF2-40B4-BE49-F238E27FC236}">
-                <a16:creationId xmlns:a16="http://schemas.microsoft.com/office/drawing/2014/main" id="{225CC455-AFCD-4532-9B34-61E232CB02FF}"/>
-              </a:ext>
-            </a:extLst>
-          </p:cNvPr>
+          <p:cNvPr id="2" name="Title 1"/>
           <p:cNvSpPr>
             <a:spLocks noGrp="1"/>
           </p:cNvSpPr>
@@ -1512,8 +1553,8 @@
         </p:nvSpPr>
         <p:spPr>
           <a:xfrm>
-            <a:off x="839788" y="365125"/>
-            <a:ext cx="10515600" cy="1325563"/>
+            <a:off x="1447191" y="804163"/>
+            <a:ext cx="9607661" cy="1056319"/>
           </a:xfrm>
         </p:spPr>
         <p:txBody>
@@ -1524,18 +1565,13 @@
               <a:rPr lang="en-US"/>
               <a:t>Click to edit Master title style</a:t>
             </a:r>
-          </a:p>
-        </p:txBody>
-      </p:sp>
-      <p:sp>
-        <p:nvSpPr>
-          <p:cNvPr id="3" name="Text Placeholder 2">
-            <a:extLst>
-              <a:ext uri="{FF2B5EF4-FFF2-40B4-BE49-F238E27FC236}">
-                <a16:creationId xmlns:a16="http://schemas.microsoft.com/office/drawing/2014/main" id="{8731C957-3402-49A5-A3B8-6E9368D21563}"/>
-              </a:ext>
-            </a:extLst>
-          </p:cNvPr>
+            <a:endParaRPr lang="en-US" dirty="0"/>
+          </a:p>
+        </p:txBody>
+      </p:sp>
+      <p:sp>
+        <p:nvSpPr>
+          <p:cNvPr id="3" name="Text Placeholder 2"/>
           <p:cNvSpPr>
             <a:spLocks noGrp="1"/>
           </p:cNvSpPr>
@@ -1545,16 +1581,25 @@
         </p:nvSpPr>
         <p:spPr>
           <a:xfrm>
-            <a:off x="839788" y="1681163"/>
-            <a:ext cx="5157787" cy="823912"/>
+            <a:off x="1447191" y="2019549"/>
+            <a:ext cx="4645152" cy="801943"/>
           </a:xfrm>
         </p:spPr>
         <p:txBody>
-          <a:bodyPr anchor="b"/>
+          <a:bodyPr anchor="b">
+            <a:normAutofit/>
+          </a:bodyPr>
           <a:lstStyle>
             <a:lvl1pPr marL="0" indent="0">
-              <a:buNone/>
-              <a:defRPr sz="2400" b="1"/>
+              <a:lnSpc>
+                <a:spcPct val="100000"/>
+              </a:lnSpc>
+              <a:buNone/>
+              <a:defRPr sz="2200" b="0" cap="all" baseline="0">
+                <a:solidFill>
+                  <a:schemeClr val="accent1"/>
+                </a:solidFill>
+              </a:defRPr>
             </a:lvl1pPr>
             <a:lvl2pPr marL="457200" indent="0">
               <a:buNone/>
@@ -1600,13 +1645,7 @@
       </p:sp>
       <p:sp>
         <p:nvSpPr>
-          <p:cNvPr id="4" name="Content Placeholder 3">
-            <a:extLst>
-              <a:ext uri="{FF2B5EF4-FFF2-40B4-BE49-F238E27FC236}">
-                <a16:creationId xmlns:a16="http://schemas.microsoft.com/office/drawing/2014/main" id="{9A5E9B6D-7C0B-4D35-9007-DFAC4E8DCF2E}"/>
-              </a:ext>
-            </a:extLst>
-          </p:cNvPr>
+          <p:cNvPr id="4" name="Content Placeholder 3"/>
           <p:cNvSpPr>
             <a:spLocks noGrp="1"/>
           </p:cNvSpPr>
@@ -1616,8 +1655,8 @@
         </p:nvSpPr>
         <p:spPr>
           <a:xfrm>
-            <a:off x="839788" y="2505075"/>
-            <a:ext cx="5157787" cy="3684588"/>
+            <a:off x="1447191" y="2824269"/>
+            <a:ext cx="4645152" cy="2644457"/>
           </a:xfrm>
         </p:spPr>
         <p:txBody>
@@ -1657,18 +1696,13 @@
               <a:rPr lang="en-US"/>
               <a:t>Fifth level</a:t>
             </a:r>
-          </a:p>
-        </p:txBody>
-      </p:sp>
-      <p:sp>
-        <p:nvSpPr>
-          <p:cNvPr id="5" name="Text Placeholder 4">
-            <a:extLst>
-              <a:ext uri="{FF2B5EF4-FFF2-40B4-BE49-F238E27FC236}">
-                <a16:creationId xmlns:a16="http://schemas.microsoft.com/office/drawing/2014/main" id="{CC3CD3D9-2994-4495-9FF4-A0DA8667A1F5}"/>
-              </a:ext>
-            </a:extLst>
-          </p:cNvPr>
+            <a:endParaRPr lang="en-US" dirty="0"/>
+          </a:p>
+        </p:txBody>
+      </p:sp>
+      <p:sp>
+        <p:nvSpPr>
+          <p:cNvPr id="5" name="Text Placeholder 4"/>
           <p:cNvSpPr>
             <a:spLocks noGrp="1"/>
           </p:cNvSpPr>
@@ -1678,16 +1712,25 @@
         </p:nvSpPr>
         <p:spPr>
           <a:xfrm>
-            <a:off x="6172200" y="1681163"/>
-            <a:ext cx="5183188" cy="823912"/>
+            <a:off x="6412362" y="2023003"/>
+            <a:ext cx="4645152" cy="802237"/>
           </a:xfrm>
         </p:spPr>
         <p:txBody>
-          <a:bodyPr anchor="b"/>
+          <a:bodyPr anchor="b">
+            <a:normAutofit/>
+          </a:bodyPr>
           <a:lstStyle>
             <a:lvl1pPr marL="0" indent="0">
-              <a:buNone/>
-              <a:defRPr sz="2400" b="1"/>
+              <a:lnSpc>
+                <a:spcPct val="100000"/>
+              </a:lnSpc>
+              <a:buNone/>
+              <a:defRPr sz="2200" b="0" cap="all" baseline="0">
+                <a:solidFill>
+                  <a:schemeClr val="accent1"/>
+                </a:solidFill>
+              </a:defRPr>
             </a:lvl1pPr>
             <a:lvl2pPr marL="457200" indent="0">
               <a:buNone/>
@@ -1733,13 +1776,7 @@
       </p:sp>
       <p:sp>
         <p:nvSpPr>
-          <p:cNvPr id="6" name="Content Placeholder 5">
-            <a:extLst>
-              <a:ext uri="{FF2B5EF4-FFF2-40B4-BE49-F238E27FC236}">
-                <a16:creationId xmlns:a16="http://schemas.microsoft.com/office/drawing/2014/main" id="{46723E2C-F926-4ED0-98D8-B4DA07C98172}"/>
-              </a:ext>
-            </a:extLst>
-          </p:cNvPr>
+          <p:cNvPr id="6" name="Content Placeholder 5"/>
           <p:cNvSpPr>
             <a:spLocks noGrp="1"/>
           </p:cNvSpPr>
@@ -1749,8 +1786,8 @@
         </p:nvSpPr>
         <p:spPr>
           <a:xfrm>
-            <a:off x="6172200" y="2505075"/>
-            <a:ext cx="5183188" cy="3684588"/>
+            <a:off x="6412362" y="2821491"/>
+            <a:ext cx="4645152" cy="2637371"/>
           </a:xfrm>
         </p:spPr>
         <p:txBody>
@@ -1790,18 +1827,13 @@
               <a:rPr lang="en-US"/>
               <a:t>Fifth level</a:t>
             </a:r>
-          </a:p>
-        </p:txBody>
-      </p:sp>
-      <p:sp>
-        <p:nvSpPr>
-          <p:cNvPr id="7" name="Date Placeholder 6">
-            <a:extLst>
-              <a:ext uri="{FF2B5EF4-FFF2-40B4-BE49-F238E27FC236}">
-                <a16:creationId xmlns:a16="http://schemas.microsoft.com/office/drawing/2014/main" id="{22AD1430-E90E-41B7-8D4D-684C44FAE0A4}"/>
-              </a:ext>
-            </a:extLst>
-          </p:cNvPr>
+            <a:endParaRPr lang="en-US" dirty="0"/>
+          </a:p>
+        </p:txBody>
+      </p:sp>
+      <p:sp>
+        <p:nvSpPr>
+          <p:cNvPr id="7" name="Date Placeholder 6"/>
           <p:cNvSpPr>
             <a:spLocks noGrp="1"/>
           </p:cNvSpPr>
@@ -1816,7 +1848,7 @@
           <a:p>
             <a:fld id="{60EC4924-5A8D-48FD-ACE9-ABD0D4AC03A0}" type="datetimeFigureOut">
               <a:rPr lang="en-US" smtClean="0"/>
-              <a:t>12/1/2025</a:t>
+              <a:t>12/21/2025</a:t>
             </a:fld>
             <a:endParaRPr lang="en-US"/>
           </a:p>
@@ -1824,13 +1856,7 @@
       </p:sp>
       <p:sp>
         <p:nvSpPr>
-          <p:cNvPr id="8" name="Footer Placeholder 7">
-            <a:extLst>
-              <a:ext uri="{FF2B5EF4-FFF2-40B4-BE49-F238E27FC236}">
-                <a16:creationId xmlns:a16="http://schemas.microsoft.com/office/drawing/2014/main" id="{E09C93E9-DF71-4CBA-A5F6-031B2F439513}"/>
-              </a:ext>
-            </a:extLst>
-          </p:cNvPr>
+          <p:cNvPr id="8" name="Footer Placeholder 7"/>
           <p:cNvSpPr>
             <a:spLocks noGrp="1"/>
           </p:cNvSpPr>
@@ -1849,13 +1875,7 @@
       </p:sp>
       <p:sp>
         <p:nvSpPr>
-          <p:cNvPr id="9" name="Slide Number Placeholder 8">
-            <a:extLst>
-              <a:ext uri="{FF2B5EF4-FFF2-40B4-BE49-F238E27FC236}">
-                <a16:creationId xmlns:a16="http://schemas.microsoft.com/office/drawing/2014/main" id="{47CBE06E-154C-440E-A52D-6764C169AABA}"/>
-              </a:ext>
-            </a:extLst>
-          </p:cNvPr>
+          <p:cNvPr id="9" name="Slide Number Placeholder 8"/>
           <p:cNvSpPr>
             <a:spLocks noGrp="1"/>
           </p:cNvSpPr>
@@ -1876,10 +1896,41 @@
           </a:p>
         </p:txBody>
       </p:sp>
+      <p:cxnSp>
+        <p:nvCxnSpPr>
+          <p:cNvPr id="29" name="Straight Connector 28"/>
+          <p:cNvCxnSpPr/>
+          <p:nvPr/>
+        </p:nvCxnSpPr>
+        <p:spPr>
+          <a:xfrm>
+            <a:off x="1453896" y="1847088"/>
+            <a:ext cx="9607522" cy="0"/>
+          </a:xfrm>
+          <a:prstGeom prst="line">
+            <a:avLst/>
+          </a:prstGeom>
+          <a:ln w="31750"/>
+        </p:spPr>
+        <p:style>
+          <a:lnRef idx="3">
+            <a:schemeClr val="accent1"/>
+          </a:lnRef>
+          <a:fillRef idx="0">
+            <a:schemeClr val="accent1"/>
+          </a:fillRef>
+          <a:effectRef idx="2">
+            <a:schemeClr val="accent1"/>
+          </a:effectRef>
+          <a:fontRef idx="minor">
+            <a:schemeClr val="tx1"/>
+          </a:fontRef>
+        </p:style>
+      </p:cxnSp>
     </p:spTree>
     <p:extLst>
       <p:ext uri="{BB962C8B-B14F-4D97-AF65-F5344CB8AC3E}">
-        <p14:creationId xmlns:p14="http://schemas.microsoft.com/office/powerpoint/2010/main" val="638918341"/>
+        <p14:creationId xmlns:p14="http://schemas.microsoft.com/office/powerpoint/2010/main" val="3318979695"/>
       </p:ext>
     </p:extLst>
   </p:cSld>
@@ -1908,13 +1959,7 @@
       </p:grpSpPr>
       <p:sp>
         <p:nvSpPr>
-          <p:cNvPr id="2" name="Title 1">
-            <a:extLst>
-              <a:ext uri="{FF2B5EF4-FFF2-40B4-BE49-F238E27FC236}">
-                <a16:creationId xmlns:a16="http://schemas.microsoft.com/office/drawing/2014/main" id="{2BD00F93-C67C-44CD-9AF6-D5009C41EE13}"/>
-              </a:ext>
-            </a:extLst>
-          </p:cNvPr>
+          <p:cNvPr id="2" name="Title 1"/>
           <p:cNvSpPr>
             <a:spLocks noGrp="1"/>
           </p:cNvSpPr>
@@ -1931,18 +1976,13 @@
               <a:rPr lang="en-US"/>
               <a:t>Click to edit Master title style</a:t>
             </a:r>
-          </a:p>
-        </p:txBody>
-      </p:sp>
-      <p:sp>
-        <p:nvSpPr>
-          <p:cNvPr id="3" name="Date Placeholder 2">
-            <a:extLst>
-              <a:ext uri="{FF2B5EF4-FFF2-40B4-BE49-F238E27FC236}">
-                <a16:creationId xmlns:a16="http://schemas.microsoft.com/office/drawing/2014/main" id="{845D01B7-BD21-4705-8DE7-95D36C158F01}"/>
-              </a:ext>
-            </a:extLst>
-          </p:cNvPr>
+            <a:endParaRPr lang="en-US" dirty="0"/>
+          </a:p>
+        </p:txBody>
+      </p:sp>
+      <p:sp>
+        <p:nvSpPr>
+          <p:cNvPr id="3" name="Date Placeholder 2"/>
           <p:cNvSpPr>
             <a:spLocks noGrp="1"/>
           </p:cNvSpPr>
@@ -1957,7 +1997,7 @@
           <a:p>
             <a:fld id="{60EC4924-5A8D-48FD-ACE9-ABD0D4AC03A0}" type="datetimeFigureOut">
               <a:rPr lang="en-US" smtClean="0"/>
-              <a:t>12/1/2025</a:t>
+              <a:t>12/21/2025</a:t>
             </a:fld>
             <a:endParaRPr lang="en-US"/>
           </a:p>
@@ -1965,13 +2005,7 @@
       </p:sp>
       <p:sp>
         <p:nvSpPr>
-          <p:cNvPr id="4" name="Footer Placeholder 3">
-            <a:extLst>
-              <a:ext uri="{FF2B5EF4-FFF2-40B4-BE49-F238E27FC236}">
-                <a16:creationId xmlns:a16="http://schemas.microsoft.com/office/drawing/2014/main" id="{A0BADFA4-A241-41FB-8021-614B905E4B9D}"/>
-              </a:ext>
-            </a:extLst>
-          </p:cNvPr>
+          <p:cNvPr id="4" name="Footer Placeholder 3"/>
           <p:cNvSpPr>
             <a:spLocks noGrp="1"/>
           </p:cNvSpPr>
@@ -1990,13 +2024,7 @@
       </p:sp>
       <p:sp>
         <p:nvSpPr>
-          <p:cNvPr id="5" name="Slide Number Placeholder 4">
-            <a:extLst>
-              <a:ext uri="{FF2B5EF4-FFF2-40B4-BE49-F238E27FC236}">
-                <a16:creationId xmlns:a16="http://schemas.microsoft.com/office/drawing/2014/main" id="{E60CA2A5-D753-4689-87DE-E1FFAA179261}"/>
-              </a:ext>
-            </a:extLst>
-          </p:cNvPr>
+          <p:cNvPr id="5" name="Slide Number Placeholder 4"/>
           <p:cNvSpPr>
             <a:spLocks noGrp="1"/>
           </p:cNvSpPr>
@@ -2017,10 +2045,41 @@
           </a:p>
         </p:txBody>
       </p:sp>
+      <p:cxnSp>
+        <p:nvCxnSpPr>
+          <p:cNvPr id="25" name="Straight Connector 24"/>
+          <p:cNvCxnSpPr/>
+          <p:nvPr/>
+        </p:nvCxnSpPr>
+        <p:spPr>
+          <a:xfrm>
+            <a:off x="1453896" y="1847088"/>
+            <a:ext cx="9607522" cy="0"/>
+          </a:xfrm>
+          <a:prstGeom prst="line">
+            <a:avLst/>
+          </a:prstGeom>
+          <a:ln w="31750"/>
+        </p:spPr>
+        <p:style>
+          <a:lnRef idx="3">
+            <a:schemeClr val="accent1"/>
+          </a:lnRef>
+          <a:fillRef idx="0">
+            <a:schemeClr val="accent1"/>
+          </a:fillRef>
+          <a:effectRef idx="2">
+            <a:schemeClr val="accent1"/>
+          </a:effectRef>
+          <a:fontRef idx="minor">
+            <a:schemeClr val="tx1"/>
+          </a:fontRef>
+        </p:style>
+      </p:cxnSp>
     </p:spTree>
     <p:extLst>
       <p:ext uri="{BB962C8B-B14F-4D97-AF65-F5344CB8AC3E}">
-        <p14:creationId xmlns:p14="http://schemas.microsoft.com/office/powerpoint/2010/main" val="3551360861"/>
+        <p14:creationId xmlns:p14="http://schemas.microsoft.com/office/powerpoint/2010/main" val="288239907"/>
       </p:ext>
     </p:extLst>
   </p:cSld>
@@ -2049,13 +2108,7 @@
       </p:grpSpPr>
       <p:sp>
         <p:nvSpPr>
-          <p:cNvPr id="2" name="Date Placeholder 1">
-            <a:extLst>
-              <a:ext uri="{FF2B5EF4-FFF2-40B4-BE49-F238E27FC236}">
-                <a16:creationId xmlns:a16="http://schemas.microsoft.com/office/drawing/2014/main" id="{AFC73EC5-4DA3-4D36-9EE5-7C48F0018085}"/>
-              </a:ext>
-            </a:extLst>
-          </p:cNvPr>
+          <p:cNvPr id="2" name="Date Placeholder 1"/>
           <p:cNvSpPr>
             <a:spLocks noGrp="1"/>
           </p:cNvSpPr>
@@ -2070,7 +2123,7 @@
           <a:p>
             <a:fld id="{60EC4924-5A8D-48FD-ACE9-ABD0D4AC03A0}" type="datetimeFigureOut">
               <a:rPr lang="en-US" smtClean="0"/>
-              <a:t>12/1/2025</a:t>
+              <a:t>12/21/2025</a:t>
             </a:fld>
             <a:endParaRPr lang="en-US"/>
           </a:p>
@@ -2078,13 +2131,7 @@
       </p:sp>
       <p:sp>
         <p:nvSpPr>
-          <p:cNvPr id="3" name="Footer Placeholder 2">
-            <a:extLst>
-              <a:ext uri="{FF2B5EF4-FFF2-40B4-BE49-F238E27FC236}">
-                <a16:creationId xmlns:a16="http://schemas.microsoft.com/office/drawing/2014/main" id="{19A84065-E880-43BD-8C2F-2941CC65D6A5}"/>
-              </a:ext>
-            </a:extLst>
-          </p:cNvPr>
+          <p:cNvPr id="3" name="Footer Placeholder 2"/>
           <p:cNvSpPr>
             <a:spLocks noGrp="1"/>
           </p:cNvSpPr>
@@ -2103,13 +2150,7 @@
       </p:sp>
       <p:sp>
         <p:nvSpPr>
-          <p:cNvPr id="4" name="Slide Number Placeholder 3">
-            <a:extLst>
-              <a:ext uri="{FF2B5EF4-FFF2-40B4-BE49-F238E27FC236}">
-                <a16:creationId xmlns:a16="http://schemas.microsoft.com/office/drawing/2014/main" id="{42FCF87E-A549-48FD-A128-2BC3CF1C31BE}"/>
-              </a:ext>
-            </a:extLst>
-          </p:cNvPr>
+          <p:cNvPr id="4" name="Slide Number Placeholder 3"/>
           <p:cNvSpPr>
             <a:spLocks noGrp="1"/>
           </p:cNvSpPr>
@@ -2133,7 +2174,7 @@
     </p:spTree>
     <p:extLst>
       <p:ext uri="{BB962C8B-B14F-4D97-AF65-F5344CB8AC3E}">
-        <p14:creationId xmlns:p14="http://schemas.microsoft.com/office/powerpoint/2010/main" val="953330244"/>
+        <p14:creationId xmlns:p14="http://schemas.microsoft.com/office/powerpoint/2010/main" val="3077071737"/>
       </p:ext>
     </p:extLst>
   </p:cSld>
@@ -2162,13 +2203,7 @@
       </p:grpSpPr>
       <p:sp>
         <p:nvSpPr>
-          <p:cNvPr id="2" name="Title 1">
-            <a:extLst>
-              <a:ext uri="{FF2B5EF4-FFF2-40B4-BE49-F238E27FC236}">
-                <a16:creationId xmlns:a16="http://schemas.microsoft.com/office/drawing/2014/main" id="{46141439-93D8-4605-A4E3-9196CECE2A98}"/>
-              </a:ext>
-            </a:extLst>
-          </p:cNvPr>
+          <p:cNvPr id="2" name="Title 1"/>
           <p:cNvSpPr>
             <a:spLocks noGrp="1"/>
           </p:cNvSpPr>
@@ -2178,15 +2213,17 @@
         </p:nvSpPr>
         <p:spPr>
           <a:xfrm>
-            <a:off x="839788" y="457200"/>
-            <a:ext cx="3932237" cy="1600200"/>
+            <a:off x="1444671" y="798973"/>
+            <a:ext cx="3273099" cy="2247117"/>
           </a:xfrm>
         </p:spPr>
         <p:txBody>
-          <a:bodyPr anchor="b"/>
+          <a:bodyPr anchor="b">
+            <a:normAutofit/>
+          </a:bodyPr>
           <a:lstStyle>
-            <a:lvl1pPr>
-              <a:defRPr sz="3200"/>
+            <a:lvl1pPr algn="l">
+              <a:defRPr sz="2400"/>
             </a:lvl1pPr>
           </a:lstStyle>
           <a:p>
@@ -2194,18 +2231,13 @@
               <a:rPr lang="en-US"/>
               <a:t>Click to edit Master title style</a:t>
             </a:r>
-          </a:p>
-        </p:txBody>
-      </p:sp>
-      <p:sp>
-        <p:nvSpPr>
-          <p:cNvPr id="3" name="Content Placeholder 2">
-            <a:extLst>
-              <a:ext uri="{FF2B5EF4-FFF2-40B4-BE49-F238E27FC236}">
-                <a16:creationId xmlns:a16="http://schemas.microsoft.com/office/drawing/2014/main" id="{996EFBDE-C4E5-4A5C-B766-7FBDB4F8EB9A}"/>
-              </a:ext>
-            </a:extLst>
-          </p:cNvPr>
+            <a:endParaRPr lang="en-US" dirty="0"/>
+          </a:p>
+        </p:txBody>
+      </p:sp>
+      <p:sp>
+        <p:nvSpPr>
+          <p:cNvPr id="3" name="Content Placeholder 2"/>
           <p:cNvSpPr>
             <a:spLocks noGrp="1"/>
           </p:cNvSpPr>
@@ -2215,104 +2247,71 @@
         </p:nvSpPr>
         <p:spPr>
           <a:xfrm>
-            <a:off x="5183188" y="987425"/>
-            <a:ext cx="6172200" cy="4873625"/>
+            <a:off x="5043714" y="798974"/>
+            <a:ext cx="6012470" cy="4658826"/>
           </a:xfrm>
         </p:spPr>
         <p:txBody>
+          <a:bodyPr anchor="ctr"/>
+          <a:lstStyle/>
+          <a:p>
+            <a:pPr lvl="0"/>
+            <a:r>
+              <a:rPr lang="en-US"/>
+              <a:t>Click to edit Master text styles</a:t>
+            </a:r>
+          </a:p>
+          <a:p>
+            <a:pPr lvl="1"/>
+            <a:r>
+              <a:rPr lang="en-US"/>
+              <a:t>Second level</a:t>
+            </a:r>
+          </a:p>
+          <a:p>
+            <a:pPr lvl="2"/>
+            <a:r>
+              <a:rPr lang="en-US"/>
+              <a:t>Third level</a:t>
+            </a:r>
+          </a:p>
+          <a:p>
+            <a:pPr lvl="3"/>
+            <a:r>
+              <a:rPr lang="en-US"/>
+              <a:t>Fourth level</a:t>
+            </a:r>
+          </a:p>
+          <a:p>
+            <a:pPr lvl="4"/>
+            <a:r>
+              <a:rPr lang="en-US"/>
+              <a:t>Fifth level</a:t>
+            </a:r>
+            <a:endParaRPr lang="en-US" dirty="0"/>
+          </a:p>
+        </p:txBody>
+      </p:sp>
+      <p:sp>
+        <p:nvSpPr>
+          <p:cNvPr id="4" name="Text Placeholder 3"/>
+          <p:cNvSpPr>
+            <a:spLocks noGrp="1"/>
+          </p:cNvSpPr>
+          <p:nvPr>
+            <p:ph type="body" sz="half" idx="2"/>
+          </p:nvPr>
+        </p:nvSpPr>
+        <p:spPr>
+          <a:xfrm>
+            <a:off x="1444671" y="3205491"/>
+            <a:ext cx="3275013" cy="2248181"/>
+          </a:xfrm>
+        </p:spPr>
+        <p:txBody>
           <a:bodyPr/>
           <a:lstStyle>
-            <a:lvl1pPr>
-              <a:defRPr sz="3200"/>
-            </a:lvl1pPr>
-            <a:lvl2pPr>
-              <a:defRPr sz="2800"/>
-            </a:lvl2pPr>
-            <a:lvl3pPr>
-              <a:defRPr sz="2400"/>
-            </a:lvl3pPr>
-            <a:lvl4pPr>
-              <a:defRPr sz="2000"/>
-            </a:lvl4pPr>
-            <a:lvl5pPr>
-              <a:defRPr sz="2000"/>
-            </a:lvl5pPr>
-            <a:lvl6pPr>
-              <a:defRPr sz="2000"/>
-            </a:lvl6pPr>
-            <a:lvl7pPr>
-              <a:defRPr sz="2000"/>
-            </a:lvl7pPr>
-            <a:lvl8pPr>
-              <a:defRPr sz="2000"/>
-            </a:lvl8pPr>
-            <a:lvl9pPr>
-              <a:defRPr sz="2000"/>
-            </a:lvl9pPr>
-          </a:lstStyle>
-          <a:p>
-            <a:pPr lvl="0"/>
-            <a:r>
-              <a:rPr lang="en-US"/>
-              <a:t>Click to edit Master text styles</a:t>
-            </a:r>
-          </a:p>
-          <a:p>
-            <a:pPr lvl="1"/>
-            <a:r>
-              <a:rPr lang="en-US"/>
-              <a:t>Second level</a:t>
-            </a:r>
-          </a:p>
-          <a:p>
-            <a:pPr lvl="2"/>
-            <a:r>
-              <a:rPr lang="en-US"/>
-              <a:t>Third level</a:t>
-            </a:r>
-          </a:p>
-          <a:p>
-            <a:pPr lvl="3"/>
-            <a:r>
-              <a:rPr lang="en-US"/>
-              <a:t>Fourth level</a:t>
-            </a:r>
-          </a:p>
-          <a:p>
-            <a:pPr lvl="4"/>
-            <a:r>
-              <a:rPr lang="en-US"/>
-              <a:t>Fifth level</a:t>
-            </a:r>
-          </a:p>
-        </p:txBody>
-      </p:sp>
-      <p:sp>
-        <p:nvSpPr>
-          <p:cNvPr id="4" name="Text Placeholder 3">
-            <a:extLst>
-              <a:ext uri="{FF2B5EF4-FFF2-40B4-BE49-F238E27FC236}">
-                <a16:creationId xmlns:a16="http://schemas.microsoft.com/office/drawing/2014/main" id="{32ECCC7F-F64E-4FFE-9CA2-CEE35D4BD146}"/>
-              </a:ext>
-            </a:extLst>
-          </p:cNvPr>
-          <p:cNvSpPr>
-            <a:spLocks noGrp="1"/>
-          </p:cNvSpPr>
-          <p:nvPr>
-            <p:ph type="body" sz="half" idx="2"/>
-          </p:nvPr>
-        </p:nvSpPr>
-        <p:spPr>
-          <a:xfrm>
-            <a:off x="839788" y="2057400"/>
-            <a:ext cx="3932237" cy="3811588"/>
-          </a:xfrm>
-        </p:spPr>
-        <p:txBody>
-          <a:bodyPr/>
-          <a:lstStyle>
-            <a:lvl1pPr marL="0" indent="0">
+            <a:lvl1pPr marL="0" indent="0" algn="l">
               <a:buNone/>
               <a:defRPr sz="1600"/>
             </a:lvl1pPr>
@@ -2360,13 +2359,7 @@
       </p:sp>
       <p:sp>
         <p:nvSpPr>
-          <p:cNvPr id="5" name="Date Placeholder 4">
-            <a:extLst>
-              <a:ext uri="{FF2B5EF4-FFF2-40B4-BE49-F238E27FC236}">
-                <a16:creationId xmlns:a16="http://schemas.microsoft.com/office/drawing/2014/main" id="{FBA414C7-E1B3-4F31-902D-0FAB0BE7AA65}"/>
-              </a:ext>
-            </a:extLst>
-          </p:cNvPr>
+          <p:cNvPr id="5" name="Date Placeholder 4"/>
           <p:cNvSpPr>
             <a:spLocks noGrp="1"/>
           </p:cNvSpPr>
@@ -2381,7 +2374,7 @@
           <a:p>
             <a:fld id="{60EC4924-5A8D-48FD-ACE9-ABD0D4AC03A0}" type="datetimeFigureOut">
               <a:rPr lang="en-US" smtClean="0"/>
-              <a:t>12/1/2025</a:t>
+              <a:t>12/21/2025</a:t>
             </a:fld>
             <a:endParaRPr lang="en-US"/>
           </a:p>
@@ -2389,13 +2382,7 @@
       </p:sp>
       <p:sp>
         <p:nvSpPr>
-          <p:cNvPr id="6" name="Footer Placeholder 5">
-            <a:extLst>
-              <a:ext uri="{FF2B5EF4-FFF2-40B4-BE49-F238E27FC236}">
-                <a16:creationId xmlns:a16="http://schemas.microsoft.com/office/drawing/2014/main" id="{41D03C4E-990D-425C-9496-3759A3CCEC94}"/>
-              </a:ext>
-            </a:extLst>
-          </p:cNvPr>
+          <p:cNvPr id="6" name="Footer Placeholder 5"/>
           <p:cNvSpPr>
             <a:spLocks noGrp="1"/>
           </p:cNvSpPr>
@@ -2414,13 +2401,7 @@
       </p:sp>
       <p:sp>
         <p:nvSpPr>
-          <p:cNvPr id="7" name="Slide Number Placeholder 6">
-            <a:extLst>
-              <a:ext uri="{FF2B5EF4-FFF2-40B4-BE49-F238E27FC236}">
-                <a16:creationId xmlns:a16="http://schemas.microsoft.com/office/drawing/2014/main" id="{FDA4B1F1-E0F6-4786-801A-A739AF730FCA}"/>
-              </a:ext>
-            </a:extLst>
-          </p:cNvPr>
+          <p:cNvPr id="7" name="Slide Number Placeholder 6"/>
           <p:cNvSpPr>
             <a:spLocks noGrp="1"/>
           </p:cNvSpPr>
@@ -2441,10 +2422,41 @@
           </a:p>
         </p:txBody>
       </p:sp>
+      <p:cxnSp>
+        <p:nvCxnSpPr>
+          <p:cNvPr id="17" name="Straight Connector 16"/>
+          <p:cNvCxnSpPr/>
+          <p:nvPr/>
+        </p:nvCxnSpPr>
+        <p:spPr>
+          <a:xfrm>
+            <a:off x="1448280" y="3205491"/>
+            <a:ext cx="3269490" cy="0"/>
+          </a:xfrm>
+          <a:prstGeom prst="line">
+            <a:avLst/>
+          </a:prstGeom>
+          <a:ln w="31750"/>
+        </p:spPr>
+        <p:style>
+          <a:lnRef idx="3">
+            <a:schemeClr val="accent1"/>
+          </a:lnRef>
+          <a:fillRef idx="0">
+            <a:schemeClr val="accent1"/>
+          </a:fillRef>
+          <a:effectRef idx="2">
+            <a:schemeClr val="accent1"/>
+          </a:effectRef>
+          <a:fontRef idx="minor">
+            <a:schemeClr val="tx1"/>
+          </a:fontRef>
+        </p:style>
+      </p:cxnSp>
     </p:spTree>
     <p:extLst>
       <p:ext uri="{BB962C8B-B14F-4D97-AF65-F5344CB8AC3E}">
-        <p14:creationId xmlns:p14="http://schemas.microsoft.com/office/powerpoint/2010/main" val="3825924798"/>
+        <p14:creationId xmlns:p14="http://schemas.microsoft.com/office/powerpoint/2010/main" val="202188698"/>
       </p:ext>
     </p:extLst>
   </p:cSld>
@@ -2471,15 +2483,143 @@
           <a:chExt cx="0" cy="0"/>
         </a:xfrm>
       </p:grpSpPr>
-      <p:sp>
-        <p:nvSpPr>
-          <p:cNvPr id="2" name="Title 1">
-            <a:extLst>
-              <a:ext uri="{FF2B5EF4-FFF2-40B4-BE49-F238E27FC236}">
-                <a16:creationId xmlns:a16="http://schemas.microsoft.com/office/drawing/2014/main" id="{C177E293-F0B6-4CC7-914B-A05F7F5C6E04}"/>
-              </a:ext>
-            </a:extLst>
-          </p:cNvPr>
+      <p:grpSp>
+        <p:nvGrpSpPr>
+          <p:cNvPr id="8" name="Group 7"/>
+          <p:cNvGrpSpPr/>
+          <p:nvPr/>
+        </p:nvGrpSpPr>
+        <p:grpSpPr>
+          <a:xfrm>
+            <a:off x="7477387" y="482170"/>
+            <a:ext cx="4074533" cy="5149101"/>
+            <a:chOff x="7477387" y="482170"/>
+            <a:chExt cx="4074533" cy="5149101"/>
+          </a:xfrm>
+        </p:grpSpPr>
+        <p:sp>
+          <p:nvSpPr>
+            <p:cNvPr id="18" name="Rectangle 17"/>
+            <p:cNvSpPr/>
+            <p:nvPr/>
+          </p:nvSpPr>
+          <p:spPr bwMode="black">
+            <a:xfrm>
+              <a:off x="7477387" y="482170"/>
+              <a:ext cx="4074533" cy="5149101"/>
+            </a:xfrm>
+            <a:prstGeom prst="rect">
+              <a:avLst/>
+            </a:prstGeom>
+            <a:gradFill>
+              <a:gsLst>
+                <a:gs pos="0">
+                  <a:srgbClr val="000001"/>
+                </a:gs>
+                <a:gs pos="100000">
+                  <a:srgbClr val="191919"/>
+                </a:gs>
+              </a:gsLst>
+            </a:gradFill>
+            <a:ln w="76200" cmpd="sng">
+              <a:noFill/>
+              <a:miter lim="800000"/>
+            </a:ln>
+            <a:effectLst>
+              <a:outerShdw blurRad="127000" dist="228600" dir="4740000" sx="98000" sy="98000" algn="tl" rotWithShape="0">
+                <a:srgbClr val="000000">
+                  <a:alpha val="34000"/>
+                </a:srgbClr>
+              </a:outerShdw>
+            </a:effectLst>
+            <a:scene3d>
+              <a:camera prst="orthographicFront"/>
+              <a:lightRig rig="threePt" dir="t"/>
+            </a:scene3d>
+            <a:sp3d>
+              <a:bevelT w="152400" h="50800" prst="softRound"/>
+            </a:sp3d>
+          </p:spPr>
+          <p:style>
+            <a:lnRef idx="1">
+              <a:schemeClr val="accent1"/>
+            </a:lnRef>
+            <a:fillRef idx="3">
+              <a:schemeClr val="accent1"/>
+            </a:fillRef>
+            <a:effectRef idx="2">
+              <a:schemeClr val="accent1"/>
+            </a:effectRef>
+            <a:fontRef idx="minor">
+              <a:schemeClr val="lt1"/>
+            </a:fontRef>
+          </p:style>
+        </p:sp>
+        <p:sp>
+          <p:nvSpPr>
+            <p:cNvPr id="19" name="Rectangle 18"/>
+            <p:cNvSpPr/>
+            <p:nvPr/>
+          </p:nvSpPr>
+          <p:spPr bwMode="blackWhite">
+            <a:xfrm>
+              <a:off x="7790446" y="812506"/>
+              <a:ext cx="3450289" cy="4466452"/>
+            </a:xfrm>
+            <a:prstGeom prst="rect">
+              <a:avLst/>
+            </a:prstGeom>
+            <a:gradFill>
+              <a:gsLst>
+                <a:gs pos="0">
+                  <a:srgbClr val="DADADA"/>
+                </a:gs>
+                <a:gs pos="100000">
+                  <a:srgbClr val="FFFFFE"/>
+                </a:gs>
+              </a:gsLst>
+              <a:lin ang="16200000" scaled="0"/>
+            </a:gradFill>
+            <a:ln w="50800" cmpd="sng">
+              <a:solidFill>
+                <a:srgbClr val="191919"/>
+              </a:solidFill>
+              <a:miter lim="800000"/>
+            </a:ln>
+            <a:effectLst>
+              <a:innerShdw blurRad="63500" dist="88900" dir="14100000">
+                <a:srgbClr val="000000">
+                  <a:alpha val="30000"/>
+                </a:srgbClr>
+              </a:innerShdw>
+            </a:effectLst>
+            <a:scene3d>
+              <a:camera prst="orthographicFront"/>
+              <a:lightRig rig="threePt" dir="t"/>
+            </a:scene3d>
+            <a:sp3d>
+              <a:bevelT prst="relaxedInset"/>
+            </a:sp3d>
+          </p:spPr>
+          <p:style>
+            <a:lnRef idx="1">
+              <a:schemeClr val="accent1"/>
+            </a:lnRef>
+            <a:fillRef idx="3">
+              <a:schemeClr val="accent1"/>
+            </a:fillRef>
+            <a:effectRef idx="2">
+              <a:schemeClr val="accent1"/>
+            </a:effectRef>
+            <a:fontRef idx="minor">
+              <a:schemeClr val="lt1"/>
+            </a:fontRef>
+          </p:style>
+        </p:sp>
+      </p:grpSp>
+      <p:sp>
+        <p:nvSpPr>
+          <p:cNvPr id="2" name="Title 1"/>
           <p:cNvSpPr>
             <a:spLocks noGrp="1"/>
           </p:cNvSpPr>
@@ -2489,12 +2629,14 @@
         </p:nvSpPr>
         <p:spPr>
           <a:xfrm>
-            <a:off x="839788" y="457200"/>
-            <a:ext cx="3932237" cy="1600200"/>
+            <a:off x="1451206" y="1129513"/>
+            <a:ext cx="5532328" cy="1830584"/>
           </a:xfrm>
         </p:spPr>
         <p:txBody>
-          <a:bodyPr anchor="b"/>
+          <a:bodyPr anchor="b">
+            <a:normAutofit/>
+          </a:bodyPr>
           <a:lstStyle>
             <a:lvl1pPr>
               <a:defRPr sz="3200"/>
@@ -2505,20 +2647,15 @@
               <a:rPr lang="en-US"/>
               <a:t>Click to edit Master title style</a:t>
             </a:r>
-          </a:p>
-        </p:txBody>
-      </p:sp>
-      <p:sp>
-        <p:nvSpPr>
-          <p:cNvPr id="3" name="Picture Placeholder 2">
-            <a:extLst>
-              <a:ext uri="{FF2B5EF4-FFF2-40B4-BE49-F238E27FC236}">
-                <a16:creationId xmlns:a16="http://schemas.microsoft.com/office/drawing/2014/main" id="{AC4E407D-F660-46A6-99EB-11CACA6D9624}"/>
-              </a:ext>
-            </a:extLst>
-          </p:cNvPr>
-          <p:cNvSpPr>
-            <a:spLocks noGrp="1"/>
+            <a:endParaRPr lang="en-US" dirty="0"/>
+          </a:p>
+        </p:txBody>
+      </p:sp>
+      <p:sp>
+        <p:nvSpPr>
+          <p:cNvPr id="3" name="Picture Placeholder 2"/>
+          <p:cNvSpPr>
+            <a:spLocks noGrp="1" noChangeAspect="1"/>
           </p:cNvSpPr>
           <p:nvPr>
             <p:ph type="pic" idx="1"/>
@@ -2526,14 +2663,24 @@
         </p:nvSpPr>
         <p:spPr>
           <a:xfrm>
-            <a:off x="5183188" y="987425"/>
-            <a:ext cx="6172200" cy="4873625"/>
+            <a:off x="8124389" y="1122542"/>
+            <a:ext cx="2791171" cy="3866327"/>
           </a:xfrm>
+          <a:solidFill>
+            <a:schemeClr val="bg1">
+              <a:lumMod val="85000"/>
+            </a:schemeClr>
+          </a:solidFill>
+          <a:ln w="9525" cap="sq">
+            <a:noFill/>
+            <a:miter lim="800000"/>
+          </a:ln>
+          <a:effectLst/>
         </p:spPr>
         <p:txBody>
-          <a:bodyPr/>
+          <a:bodyPr anchor="t"/>
           <a:lstStyle>
-            <a:lvl1pPr marL="0" indent="0">
+            <a:lvl1pPr marL="0" indent="0" algn="ctr">
               <a:buNone/>
               <a:defRPr sz="3200"/>
             </a:lvl1pPr>
@@ -2571,19 +2718,17 @@
             </a:lvl9pPr>
           </a:lstStyle>
           <a:p>
-            <a:endParaRPr lang="en-US"/>
-          </a:p>
-        </p:txBody>
-      </p:sp>
-      <p:sp>
-        <p:nvSpPr>
-          <p:cNvPr id="4" name="Text Placeholder 3">
-            <a:extLst>
-              <a:ext uri="{FF2B5EF4-FFF2-40B4-BE49-F238E27FC236}">
-                <a16:creationId xmlns:a16="http://schemas.microsoft.com/office/drawing/2014/main" id="{D6B26B72-9488-4F47-B751-017F1A547EC4}"/>
-              </a:ext>
-            </a:extLst>
-          </p:cNvPr>
+            <a:r>
+              <a:rPr lang="en-US"/>
+              <a:t>Click icon to add picture</a:t>
+            </a:r>
+            <a:endParaRPr lang="en-US" dirty="0"/>
+          </a:p>
+        </p:txBody>
+      </p:sp>
+      <p:sp>
+        <p:nvSpPr>
+          <p:cNvPr id="4" name="Text Placeholder 3"/>
           <p:cNvSpPr>
             <a:spLocks noGrp="1"/>
           </p:cNvSpPr>
@@ -2593,16 +2738,18 @@
         </p:nvSpPr>
         <p:spPr>
           <a:xfrm>
-            <a:off x="839788" y="2057400"/>
-            <a:ext cx="3932237" cy="3811588"/>
+            <a:off x="1450329" y="3145992"/>
+            <a:ext cx="5524404" cy="2003742"/>
           </a:xfrm>
         </p:spPr>
         <p:txBody>
-          <a:bodyPr/>
+          <a:bodyPr>
+            <a:normAutofit/>
+          </a:bodyPr>
           <a:lstStyle>
-            <a:lvl1pPr marL="0" indent="0">
-              <a:buNone/>
-              <a:defRPr sz="1600"/>
+            <a:lvl1pPr marL="0" indent="0" algn="l">
+              <a:buNone/>
+              <a:defRPr sz="1800"/>
             </a:lvl1pPr>
             <a:lvl2pPr marL="457200" indent="0">
               <a:buNone/>
@@ -2648,13 +2795,7 @@
       </p:sp>
       <p:sp>
         <p:nvSpPr>
-          <p:cNvPr id="5" name="Date Placeholder 4">
-            <a:extLst>
-              <a:ext uri="{FF2B5EF4-FFF2-40B4-BE49-F238E27FC236}">
-                <a16:creationId xmlns:a16="http://schemas.microsoft.com/office/drawing/2014/main" id="{B4B17DB5-8D75-4CB6-8CA9-FF9A77FA417C}"/>
-              </a:ext>
-            </a:extLst>
-          </p:cNvPr>
+          <p:cNvPr id="5" name="Date Placeholder 4"/>
           <p:cNvSpPr>
             <a:spLocks noGrp="1"/>
           </p:cNvSpPr>
@@ -2662,14 +2803,23 @@
             <p:ph type="dt" sz="half" idx="10"/>
           </p:nvPr>
         </p:nvSpPr>
-        <p:spPr/>
+        <p:spPr>
+          <a:xfrm>
+            <a:off x="1447382" y="5469856"/>
+            <a:ext cx="5527351" cy="320123"/>
+          </a:xfrm>
+        </p:spPr>
         <p:txBody>
           <a:bodyPr/>
-          <a:lstStyle/>
+          <a:lstStyle>
+            <a:lvl1pPr algn="l">
+              <a:defRPr/>
+            </a:lvl1pPr>
+          </a:lstStyle>
           <a:p>
             <a:fld id="{60EC4924-5A8D-48FD-ACE9-ABD0D4AC03A0}" type="datetimeFigureOut">
               <a:rPr lang="en-US" smtClean="0"/>
-              <a:t>12/1/2025</a:t>
+              <a:t>12/21/2025</a:t>
             </a:fld>
             <a:endParaRPr lang="en-US"/>
           </a:p>
@@ -2677,13 +2827,7 @@
       </p:sp>
       <p:sp>
         <p:nvSpPr>
-          <p:cNvPr id="6" name="Footer Placeholder 5">
-            <a:extLst>
-              <a:ext uri="{FF2B5EF4-FFF2-40B4-BE49-F238E27FC236}">
-                <a16:creationId xmlns:a16="http://schemas.microsoft.com/office/drawing/2014/main" id="{0EDA52EE-AFCF-47C5-BE16-134FD9432AC5}"/>
-              </a:ext>
-            </a:extLst>
-          </p:cNvPr>
+          <p:cNvPr id="6" name="Footer Placeholder 5"/>
           <p:cNvSpPr>
             <a:spLocks noGrp="1"/>
           </p:cNvSpPr>
@@ -2691,7 +2835,12 @@
             <p:ph type="ftr" sz="quarter" idx="11"/>
           </p:nvPr>
         </p:nvSpPr>
-        <p:spPr/>
+        <p:spPr>
+          <a:xfrm>
+            <a:off x="1447382" y="318640"/>
+            <a:ext cx="5541004" cy="320931"/>
+          </a:xfrm>
+        </p:spPr>
         <p:txBody>
           <a:bodyPr/>
           <a:lstStyle/>
@@ -2702,13 +2851,7 @@
       </p:sp>
       <p:sp>
         <p:nvSpPr>
-          <p:cNvPr id="7" name="Slide Number Placeholder 6">
-            <a:extLst>
-              <a:ext uri="{FF2B5EF4-FFF2-40B4-BE49-F238E27FC236}">
-                <a16:creationId xmlns:a16="http://schemas.microsoft.com/office/drawing/2014/main" id="{8D785F99-0D79-466D-95ED-7DA16A514CF5}"/>
-              </a:ext>
-            </a:extLst>
-          </p:cNvPr>
+          <p:cNvPr id="7" name="Slide Number Placeholder 6"/>
           <p:cNvSpPr>
             <a:spLocks noGrp="1"/>
           </p:cNvSpPr>
@@ -2729,10 +2872,41 @@
           </a:p>
         </p:txBody>
       </p:sp>
+      <p:cxnSp>
+        <p:nvCxnSpPr>
+          <p:cNvPr id="31" name="Straight Connector 30"/>
+          <p:cNvCxnSpPr/>
+          <p:nvPr/>
+        </p:nvCxnSpPr>
+        <p:spPr>
+          <a:xfrm>
+            <a:off x="1447382" y="3143605"/>
+            <a:ext cx="5527351" cy="0"/>
+          </a:xfrm>
+          <a:prstGeom prst="line">
+            <a:avLst/>
+          </a:prstGeom>
+          <a:ln w="31750"/>
+        </p:spPr>
+        <p:style>
+          <a:lnRef idx="3">
+            <a:schemeClr val="accent1"/>
+          </a:lnRef>
+          <a:fillRef idx="0">
+            <a:schemeClr val="accent1"/>
+          </a:fillRef>
+          <a:effectRef idx="2">
+            <a:schemeClr val="accent1"/>
+          </a:effectRef>
+          <a:fontRef idx="minor">
+            <a:schemeClr val="tx1"/>
+          </a:fontRef>
+        </p:style>
+      </p:cxnSp>
     </p:spTree>
     <p:extLst>
       <p:ext uri="{BB962C8B-B14F-4D97-AF65-F5344CB8AC3E}">
-        <p14:creationId xmlns:p14="http://schemas.microsoft.com/office/powerpoint/2010/main" val="2976782494"/>
+        <p14:creationId xmlns:p14="http://schemas.microsoft.com/office/powerpoint/2010/main" val="855422371"/>
       </p:ext>
     </p:extLst>
   </p:cSld>
@@ -2746,8 +2920,8 @@
 <p:sldMaster xmlns:a="http://schemas.openxmlformats.org/drawingml/2006/main" xmlns:r="http://schemas.openxmlformats.org/officeDocument/2006/relationships" xmlns:p="http://schemas.openxmlformats.org/presentationml/2006/main">
   <p:cSld>
     <p:bg>
-      <p:bgRef idx="1001">
-        <a:schemeClr val="bg1"/>
+      <p:bgRef idx="1003">
+        <a:schemeClr val="bg2"/>
       </p:bgRef>
     </p:bg>
     <p:spTree>
@@ -2766,139 +2940,201 @@
       </p:grpSpPr>
       <p:sp>
         <p:nvSpPr>
-          <p:cNvPr id="2" name="Title Placeholder 1">
+          <p:cNvPr id="8" name="Rectangle 7"/>
+          <p:cNvSpPr/>
+          <p:nvPr/>
+        </p:nvSpPr>
+        <p:spPr>
+          <a:xfrm>
+            <a:off x="0" y="2019476"/>
+            <a:ext cx="12192000" cy="4105941"/>
+          </a:xfrm>
+          <a:prstGeom prst="rect">
+            <a:avLst/>
+          </a:prstGeom>
+          <a:gradFill flip="none" rotWithShape="1">
+            <a:gsLst>
+              <a:gs pos="0">
+                <a:schemeClr val="bg2">
+                  <a:alpha val="0"/>
+                </a:schemeClr>
+              </a:gs>
+              <a:gs pos="100000">
+                <a:schemeClr val="bg2"/>
+              </a:gs>
+            </a:gsLst>
+            <a:lin ang="5400000" scaled="0"/>
+            <a:tileRect/>
+          </a:gradFill>
+          <a:ln>
+            <a:noFill/>
+          </a:ln>
+        </p:spPr>
+        <p:style>
+          <a:lnRef idx="2">
+            <a:schemeClr val="accent1">
+              <a:shade val="50000"/>
+            </a:schemeClr>
+          </a:lnRef>
+          <a:fillRef idx="1">
+            <a:schemeClr val="accent1"/>
+          </a:fillRef>
+          <a:effectRef idx="0">
+            <a:schemeClr val="accent1"/>
+          </a:effectRef>
+          <a:fontRef idx="minor">
+            <a:schemeClr val="lt1"/>
+          </a:fontRef>
+        </p:style>
+      </p:sp>
+      <p:pic>
+        <p:nvPicPr>
+          <p:cNvPr id="7" name="Picture 6"/>
+          <p:cNvPicPr>
+            <a:picLocks noChangeAspect="1"/>
+          </p:cNvPicPr>
+          <p:nvPr/>
+        </p:nvPicPr>
+        <p:blipFill rotWithShape="1">
+          <a:blip r:embed="rId13">
             <a:extLst>
-              <a:ext uri="{FF2B5EF4-FFF2-40B4-BE49-F238E27FC236}">
-                <a16:creationId xmlns:a16="http://schemas.microsoft.com/office/drawing/2014/main" id="{0F02315A-59E6-46B0-9ADF-FD889D4A1197}"/>
+              <a:ext uri="{28A0092B-C50C-407E-A947-70E740481C1C}">
+                <a14:useLocalDpi xmlns:a14="http://schemas.microsoft.com/office/drawing/2010/main" val="0"/>
               </a:ext>
             </a:extLst>
-          </p:cNvPr>
-          <p:cNvSpPr>
-            <a:spLocks noGrp="1"/>
-          </p:cNvSpPr>
-          <p:nvPr>
-            <p:ph type="title"/>
-          </p:nvPr>
-        </p:nvSpPr>
-        <p:spPr>
+          </a:blip>
+          <a:srcRect t="1538" b="-1538"/>
+          <a:stretch/>
+        </p:blipFill>
+        <p:spPr bwMode="black">
           <a:xfrm>
-            <a:off x="838200" y="365125"/>
-            <a:ext cx="10515600" cy="1325563"/>
+            <a:off x="0" y="6126480"/>
+            <a:ext cx="12192000" cy="742950"/>
           </a:xfrm>
           <a:prstGeom prst="rect">
             <a:avLst/>
           </a:prstGeom>
         </p:spPr>
-        <p:txBody>
-          <a:bodyPr vert="horz" lIns="91440" tIns="45720" rIns="91440" bIns="45720" rtlCol="0" anchor="ctr">
-            <a:normAutofit/>
-          </a:bodyPr>
-          <a:lstStyle/>
-          <a:p>
-            <a:r>
-              <a:rPr lang="en-US"/>
-              <a:t>Click to edit Master title style</a:t>
-            </a:r>
-          </a:p>
-        </p:txBody>
-      </p:sp>
-      <p:sp>
-        <p:nvSpPr>
-          <p:cNvPr id="3" name="Text Placeholder 2">
-            <a:extLst>
-              <a:ext uri="{FF2B5EF4-FFF2-40B4-BE49-F238E27FC236}">
-                <a16:creationId xmlns:a16="http://schemas.microsoft.com/office/drawing/2014/main" id="{319729BB-C7D6-48D0-9B5F-F140DB052194}"/>
-              </a:ext>
-            </a:extLst>
-          </p:cNvPr>
-          <p:cNvSpPr>
-            <a:spLocks noGrp="1"/>
-          </p:cNvSpPr>
-          <p:nvPr>
-            <p:ph type="body" idx="1"/>
+      </p:pic>
+      <p:sp>
+        <p:nvSpPr>
+          <p:cNvPr id="2" name="Title Placeholder 1"/>
+          <p:cNvSpPr>
+            <a:spLocks noGrp="1"/>
+          </p:cNvSpPr>
+          <p:nvPr>
+            <p:ph type="title"/>
           </p:nvPr>
         </p:nvSpPr>
         <p:spPr>
           <a:xfrm>
-            <a:off x="838200" y="1825625"/>
-            <a:ext cx="10515600" cy="4351338"/>
+            <a:off x="1451579" y="804519"/>
+            <a:ext cx="9603275" cy="1049235"/>
           </a:xfrm>
           <a:prstGeom prst="rect">
             <a:avLst/>
           </a:prstGeom>
         </p:spPr>
         <p:txBody>
-          <a:bodyPr vert="horz" lIns="91440" tIns="45720" rIns="91440" bIns="45720" rtlCol="0">
+          <a:bodyPr vert="horz" lIns="91440" tIns="45720" rIns="91440" bIns="45720" rtlCol="0" anchor="t">
             <a:normAutofit/>
           </a:bodyPr>
           <a:lstStyle/>
           <a:p>
-            <a:pPr lvl="0"/>
-            <a:r>
-              <a:rPr lang="en-US"/>
-              <a:t>Click to edit Master text styles</a:t>
-            </a:r>
-          </a:p>
-          <a:p>
-            <a:pPr lvl="1"/>
-            <a:r>
-              <a:rPr lang="en-US"/>
-              <a:t>Second level</a:t>
-            </a:r>
-          </a:p>
-          <a:p>
-            <a:pPr lvl="2"/>
-            <a:r>
-              <a:rPr lang="en-US"/>
-              <a:t>Third level</a:t>
-            </a:r>
-          </a:p>
-          <a:p>
-            <a:pPr lvl="3"/>
-            <a:r>
-              <a:rPr lang="en-US"/>
-              <a:t>Fourth level</a:t>
-            </a:r>
-          </a:p>
-          <a:p>
-            <a:pPr lvl="4"/>
-            <a:r>
-              <a:rPr lang="en-US"/>
-              <a:t>Fifth level</a:t>
-            </a:r>
-          </a:p>
-        </p:txBody>
-      </p:sp>
-      <p:sp>
-        <p:nvSpPr>
-          <p:cNvPr id="4" name="Date Placeholder 3">
-            <a:extLst>
-              <a:ext uri="{FF2B5EF4-FFF2-40B4-BE49-F238E27FC236}">
-                <a16:creationId xmlns:a16="http://schemas.microsoft.com/office/drawing/2014/main" id="{24EC8E68-FC40-4D74-83B0-DBEBEBE7E677}"/>
-              </a:ext>
-            </a:extLst>
-          </p:cNvPr>
-          <p:cNvSpPr>
-            <a:spLocks noGrp="1"/>
-          </p:cNvSpPr>
-          <p:nvPr>
-            <p:ph type="dt" sz="half" idx="2"/>
+            <a:r>
+              <a:rPr lang="en-US"/>
+              <a:t>Click to edit Master title style</a:t>
+            </a:r>
+            <a:endParaRPr lang="en-US" dirty="0"/>
+          </a:p>
+        </p:txBody>
+      </p:sp>
+      <p:sp>
+        <p:nvSpPr>
+          <p:cNvPr id="3" name="Text Placeholder 2"/>
+          <p:cNvSpPr>
+            <a:spLocks noGrp="1"/>
+          </p:cNvSpPr>
+          <p:nvPr>
+            <p:ph type="body" idx="1"/>
           </p:nvPr>
         </p:nvSpPr>
         <p:spPr>
           <a:xfrm>
-            <a:off x="838200" y="6356350"/>
-            <a:ext cx="2743200" cy="365125"/>
+            <a:off x="1451579" y="2015732"/>
+            <a:ext cx="9603275" cy="3450613"/>
           </a:xfrm>
           <a:prstGeom prst="rect">
             <a:avLst/>
           </a:prstGeom>
         </p:spPr>
         <p:txBody>
+          <a:bodyPr vert="horz" lIns="91440" tIns="45720" rIns="91440" bIns="45720" rtlCol="0">
+            <a:normAutofit/>
+          </a:bodyPr>
+          <a:lstStyle/>
+          <a:p>
+            <a:pPr lvl="0"/>
+            <a:r>
+              <a:rPr lang="en-US"/>
+              <a:t>Click to edit Master text styles</a:t>
+            </a:r>
+          </a:p>
+          <a:p>
+            <a:pPr lvl="1"/>
+            <a:r>
+              <a:rPr lang="en-US"/>
+              <a:t>Second level</a:t>
+            </a:r>
+          </a:p>
+          <a:p>
+            <a:pPr lvl="2"/>
+            <a:r>
+              <a:rPr lang="en-US"/>
+              <a:t>Third level</a:t>
+            </a:r>
+          </a:p>
+          <a:p>
+            <a:pPr lvl="3"/>
+            <a:r>
+              <a:rPr lang="en-US"/>
+              <a:t>Fourth level</a:t>
+            </a:r>
+          </a:p>
+          <a:p>
+            <a:pPr lvl="4"/>
+            <a:r>
+              <a:rPr lang="en-US"/>
+              <a:t>Fifth level</a:t>
+            </a:r>
+            <a:endParaRPr lang="en-US" dirty="0"/>
+          </a:p>
+        </p:txBody>
+      </p:sp>
+      <p:sp>
+        <p:nvSpPr>
+          <p:cNvPr id="4" name="Date Placeholder 3"/>
+          <p:cNvSpPr>
+            <a:spLocks noGrp="1"/>
+          </p:cNvSpPr>
+          <p:nvPr>
+            <p:ph type="dt" sz="half" idx="2"/>
+          </p:nvPr>
+        </p:nvSpPr>
+        <p:spPr>
+          <a:xfrm>
+            <a:off x="7554138" y="330370"/>
+            <a:ext cx="3500715" cy="309201"/>
+          </a:xfrm>
+          <a:prstGeom prst="rect">
+            <a:avLst/>
+          </a:prstGeom>
+        </p:spPr>
+        <p:txBody>
           <a:bodyPr vert="horz" lIns="91440" tIns="45720" rIns="91440" bIns="45720" rtlCol="0" anchor="ctr"/>
           <a:lstStyle>
-            <a:lvl1pPr algn="l">
-              <a:defRPr sz="1200">
+            <a:lvl1pPr algn="r">
+              <a:defRPr sz="1000">
                 <a:solidFill>
                   <a:schemeClr val="tx1">
                     <a:tint val="75000"/>
@@ -2910,7 +3146,7 @@
           <a:p>
             <a:fld id="{60EC4924-5A8D-48FD-ACE9-ABD0D4AC03A0}" type="datetimeFigureOut">
               <a:rPr lang="en-US" smtClean="0"/>
-              <a:t>12/1/2025</a:t>
+              <a:t>12/21/2025</a:t>
             </a:fld>
             <a:endParaRPr lang="en-US"/>
           </a:p>
@@ -2918,13 +3154,7 @@
       </p:sp>
       <p:sp>
         <p:nvSpPr>
-          <p:cNvPr id="5" name="Footer Placeholder 4">
-            <a:extLst>
-              <a:ext uri="{FF2B5EF4-FFF2-40B4-BE49-F238E27FC236}">
-                <a16:creationId xmlns:a16="http://schemas.microsoft.com/office/drawing/2014/main" id="{A8681C92-A07F-4694-83D1-039274986ED3}"/>
-              </a:ext>
-            </a:extLst>
-          </p:cNvPr>
+          <p:cNvPr id="5" name="Footer Placeholder 4"/>
           <p:cNvSpPr>
             <a:spLocks noGrp="1"/>
           </p:cNvSpPr>
@@ -2934,8 +3164,8 @@
         </p:nvSpPr>
         <p:spPr>
           <a:xfrm>
-            <a:off x="4038600" y="6356350"/>
-            <a:ext cx="4114800" cy="365125"/>
+            <a:off x="1451579" y="329307"/>
+            <a:ext cx="5938836" cy="309201"/>
           </a:xfrm>
           <a:prstGeom prst="rect">
             <a:avLst/>
@@ -2944,8 +3174,8 @@
         <p:txBody>
           <a:bodyPr vert="horz" lIns="91440" tIns="45720" rIns="91440" bIns="45720" rtlCol="0" anchor="ctr"/>
           <a:lstStyle>
-            <a:lvl1pPr algn="ctr">
-              <a:defRPr sz="1200">
+            <a:lvl1pPr algn="l">
+              <a:defRPr sz="1000">
                 <a:solidFill>
                   <a:schemeClr val="tx1">
                     <a:tint val="75000"/>
@@ -2961,13 +3191,7 @@
       </p:sp>
       <p:sp>
         <p:nvSpPr>
-          <p:cNvPr id="6" name="Slide Number Placeholder 5">
-            <a:extLst>
-              <a:ext uri="{FF2B5EF4-FFF2-40B4-BE49-F238E27FC236}">
-                <a16:creationId xmlns:a16="http://schemas.microsoft.com/office/drawing/2014/main" id="{25661A24-B2BA-4518-A10C-75F6061606C9}"/>
-              </a:ext>
-            </a:extLst>
-          </p:cNvPr>
+          <p:cNvPr id="6" name="Slide Number Placeholder 5"/>
           <p:cNvSpPr>
             <a:spLocks noGrp="1"/>
           </p:cNvSpPr>
@@ -2977,22 +3201,20 @@
         </p:nvSpPr>
         <p:spPr>
           <a:xfrm>
-            <a:off x="8610600" y="6356350"/>
-            <a:ext cx="2743200" cy="365125"/>
+            <a:off x="480060" y="798973"/>
+            <a:ext cx="811019" cy="503578"/>
           </a:xfrm>
           <a:prstGeom prst="rect">
             <a:avLst/>
           </a:prstGeom>
         </p:spPr>
         <p:txBody>
-          <a:bodyPr vert="horz" lIns="91440" tIns="45720" rIns="91440" bIns="45720" rtlCol="0" anchor="ctr"/>
+          <a:bodyPr vert="horz" lIns="91440" tIns="45720" rIns="91440" bIns="45720" rtlCol="0" anchor="t"/>
           <a:lstStyle>
             <a:lvl1pPr algn="r">
-              <a:defRPr sz="1200">
+              <a:defRPr sz="2800">
                 <a:solidFill>
-                  <a:schemeClr val="tx1">
-                    <a:tint val="75000"/>
-                  </a:schemeClr>
+                  <a:schemeClr val="accent1"/>
                 </a:solidFill>
               </a:defRPr>
             </a:lvl1pPr>
@@ -3006,26 +3228,63 @@
           </a:p>
         </p:txBody>
       </p:sp>
+      <p:cxnSp>
+        <p:nvCxnSpPr>
+          <p:cNvPr id="10" name="Straight Connector 9"/>
+          <p:cNvCxnSpPr/>
+          <p:nvPr/>
+        </p:nvCxnSpPr>
+        <p:spPr>
+          <a:xfrm>
+            <a:off x="0" y="6128413"/>
+            <a:ext cx="12192000" cy="0"/>
+          </a:xfrm>
+          <a:prstGeom prst="line">
+            <a:avLst/>
+          </a:prstGeom>
+          <a:ln w="12700">
+            <a:solidFill>
+              <a:srgbClr val="000001">
+                <a:alpha val="20000"/>
+              </a:srgbClr>
+            </a:solidFill>
+          </a:ln>
+        </p:spPr>
+        <p:style>
+          <a:lnRef idx="1">
+            <a:schemeClr val="accent1"/>
+          </a:lnRef>
+          <a:fillRef idx="0">
+            <a:schemeClr val="accent1"/>
+          </a:fillRef>
+          <a:effectRef idx="0">
+            <a:schemeClr val="accent1"/>
+          </a:effectRef>
+          <a:fontRef idx="minor">
+            <a:schemeClr val="tx1"/>
+          </a:fontRef>
+        </p:style>
+      </p:cxnSp>
     </p:spTree>
     <p:extLst>
       <p:ext uri="{BB962C8B-B14F-4D97-AF65-F5344CB8AC3E}">
-        <p14:creationId xmlns:p14="http://schemas.microsoft.com/office/powerpoint/2010/main" val="1083112614"/>
+        <p14:creationId xmlns:p14="http://schemas.microsoft.com/office/powerpoint/2010/main" val="1136545245"/>
       </p:ext>
     </p:extLst>
   </p:cSld>
   <p:clrMap bg1="lt1" tx1="dk1" bg2="lt2" tx2="dk2" accent1="accent1" accent2="accent2" accent3="accent3" accent4="accent4" accent5="accent5" accent6="accent6" hlink="hlink" folHlink="folHlink"/>
   <p:sldLayoutIdLst>
-    <p:sldLayoutId id="2147483649" r:id="rId1"/>
-    <p:sldLayoutId id="2147483650" r:id="rId2"/>
-    <p:sldLayoutId id="2147483651" r:id="rId3"/>
-    <p:sldLayoutId id="2147483652" r:id="rId4"/>
-    <p:sldLayoutId id="2147483653" r:id="rId5"/>
-    <p:sldLayoutId id="2147483654" r:id="rId6"/>
-    <p:sldLayoutId id="2147483655" r:id="rId7"/>
-    <p:sldLayoutId id="2147483656" r:id="rId8"/>
-    <p:sldLayoutId id="2147483657" r:id="rId9"/>
-    <p:sldLayoutId id="2147483658" r:id="rId10"/>
-    <p:sldLayoutId id="2147483659" r:id="rId11"/>
+    <p:sldLayoutId id="2147483691" r:id="rId1"/>
+    <p:sldLayoutId id="2147483692" r:id="rId2"/>
+    <p:sldLayoutId id="2147483693" r:id="rId3"/>
+    <p:sldLayoutId id="2147483694" r:id="rId4"/>
+    <p:sldLayoutId id="2147483695" r:id="rId5"/>
+    <p:sldLayoutId id="2147483696" r:id="rId6"/>
+    <p:sldLayoutId id="2147483697" r:id="rId7"/>
+    <p:sldLayoutId id="2147483698" r:id="rId8"/>
+    <p:sldLayoutId id="2147483699" r:id="rId9"/>
+    <p:sldLayoutId id="2147483700" r:id="rId10"/>
+    <p:sldLayoutId id="2147483701" r:id="rId11"/>
   </p:sldLayoutIdLst>
   <p:txStyles>
     <p:titleStyle>
@@ -3037,10 +3296,11 @@
           <a:spcPct val="0"/>
         </a:spcBef>
         <a:buNone/>
-        <a:defRPr sz="4400" kern="1200">
+        <a:defRPr sz="3200" b="0" i="0" kern="1200" cap="all">
           <a:solidFill>
             <a:schemeClr val="tx1"/>
           </a:solidFill>
+          <a:effectLst/>
           <a:latin typeface="+mj-lt"/>
           <a:ea typeface="+mj-ea"/>
           <a:cs typeface="+mj-cs"/>
@@ -3050,17 +3310,22 @@
     <p:bodyStyle>
       <a:lvl1pPr marL="228600" indent="-228600" algn="l" defTabSz="914400" rtl="0" eaLnBrk="1" latinLnBrk="0" hangingPunct="1">
         <a:lnSpc>
-          <a:spcPct val="90000"/>
+          <a:spcPct val="120000"/>
         </a:lnSpc>
         <a:spcBef>
           <a:spcPts val="1000"/>
         </a:spcBef>
+        <a:buClr>
+          <a:schemeClr val="accent1"/>
+        </a:buClr>
+        <a:buSzPct val="100000"/>
         <a:buFont typeface="Arial" panose="020B0604020202020204" pitchFamily="34" charset="0"/>
         <a:buChar char="•"/>
-        <a:defRPr sz="2800" kern="1200">
+        <a:defRPr sz="2000" kern="1200">
           <a:solidFill>
             <a:schemeClr val="tx1"/>
           </a:solidFill>
+          <a:effectLst/>
           <a:latin typeface="+mn-lt"/>
           <a:ea typeface="+mn-ea"/>
           <a:cs typeface="+mn-cs"/>
@@ -3068,17 +3333,22 @@
       </a:lvl1pPr>
       <a:lvl2pPr marL="685800" indent="-228600" algn="l" defTabSz="914400" rtl="0" eaLnBrk="1" latinLnBrk="0" hangingPunct="1">
         <a:lnSpc>
-          <a:spcPct val="90000"/>
+          <a:spcPct val="120000"/>
         </a:lnSpc>
         <a:spcBef>
           <a:spcPts val="500"/>
         </a:spcBef>
+        <a:buClr>
+          <a:schemeClr val="accent1"/>
+        </a:buClr>
+        <a:buSzPct val="100000"/>
         <a:buFont typeface="Arial" panose="020B0604020202020204" pitchFamily="34" charset="0"/>
         <a:buChar char="•"/>
-        <a:defRPr sz="2400" kern="1200">
+        <a:defRPr sz="1800" kern="1200" cap="none" baseline="0">
           <a:solidFill>
             <a:schemeClr val="tx1"/>
           </a:solidFill>
+          <a:effectLst/>
           <a:latin typeface="+mn-lt"/>
           <a:ea typeface="+mn-ea"/>
           <a:cs typeface="+mn-cs"/>
@@ -3086,17 +3356,22 @@
       </a:lvl2pPr>
       <a:lvl3pPr marL="1143000" indent="-228600" algn="l" defTabSz="914400" rtl="0" eaLnBrk="1" latinLnBrk="0" hangingPunct="1">
         <a:lnSpc>
-          <a:spcPct val="90000"/>
+          <a:spcPct val="120000"/>
         </a:lnSpc>
         <a:spcBef>
           <a:spcPts val="500"/>
         </a:spcBef>
+        <a:buClr>
+          <a:schemeClr val="accent1"/>
+        </a:buClr>
+        <a:buSzPct val="100000"/>
         <a:buFont typeface="Arial" panose="020B0604020202020204" pitchFamily="34" charset="0"/>
         <a:buChar char="•"/>
-        <a:defRPr sz="2000" kern="1200">
+        <a:defRPr sz="1600" kern="1200">
           <a:solidFill>
             <a:schemeClr val="tx1"/>
           </a:solidFill>
+          <a:effectLst/>
           <a:latin typeface="+mn-lt"/>
           <a:ea typeface="+mn-ea"/>
           <a:cs typeface="+mn-cs"/>
@@ -3104,17 +3379,22 @@
       </a:lvl3pPr>
       <a:lvl4pPr marL="1600200" indent="-228600" algn="l" defTabSz="914400" rtl="0" eaLnBrk="1" latinLnBrk="0" hangingPunct="1">
         <a:lnSpc>
-          <a:spcPct val="90000"/>
+          <a:spcPct val="120000"/>
         </a:lnSpc>
         <a:spcBef>
           <a:spcPts val="500"/>
         </a:spcBef>
+        <a:buClr>
+          <a:schemeClr val="accent1"/>
+        </a:buClr>
+        <a:buSzPct val="100000"/>
         <a:buFont typeface="Arial" panose="020B0604020202020204" pitchFamily="34" charset="0"/>
         <a:buChar char="•"/>
-        <a:defRPr sz="1800" kern="1200">
+        <a:defRPr sz="1400" kern="1200" cap="none" baseline="0">
           <a:solidFill>
             <a:schemeClr val="tx1"/>
           </a:solidFill>
+          <a:effectLst/>
           <a:latin typeface="+mn-lt"/>
           <a:ea typeface="+mn-ea"/>
           <a:cs typeface="+mn-cs"/>
@@ -3122,17 +3402,22 @@
       </a:lvl4pPr>
       <a:lvl5pPr marL="2057400" indent="-228600" algn="l" defTabSz="914400" rtl="0" eaLnBrk="1" latinLnBrk="0" hangingPunct="1">
         <a:lnSpc>
-          <a:spcPct val="90000"/>
+          <a:spcPct val="120000"/>
         </a:lnSpc>
         <a:spcBef>
           <a:spcPts val="500"/>
         </a:spcBef>
+        <a:buClr>
+          <a:schemeClr val="accent1"/>
+        </a:buClr>
+        <a:buSzPct val="100000"/>
         <a:buFont typeface="Arial" panose="020B0604020202020204" pitchFamily="34" charset="0"/>
         <a:buChar char="•"/>
-        <a:defRPr sz="1800" kern="1200">
+        <a:defRPr sz="1200" kern="1200">
           <a:solidFill>
             <a:schemeClr val="tx1"/>
           </a:solidFill>
+          <a:effectLst/>
           <a:latin typeface="+mn-lt"/>
           <a:ea typeface="+mn-ea"/>
           <a:cs typeface="+mn-cs"/>
@@ -3140,17 +3425,22 @@
       </a:lvl5pPr>
       <a:lvl6pPr marL="2514600" indent="-228600" algn="l" defTabSz="914400" rtl="0" eaLnBrk="1" latinLnBrk="0" hangingPunct="1">
         <a:lnSpc>
-          <a:spcPct val="90000"/>
+          <a:spcPct val="120000"/>
         </a:lnSpc>
         <a:spcBef>
           <a:spcPts val="500"/>
         </a:spcBef>
+        <a:buClr>
+          <a:schemeClr val="accent1"/>
+        </a:buClr>
+        <a:buSzPct val="100000"/>
         <a:buFont typeface="Arial" panose="020B0604020202020204" pitchFamily="34" charset="0"/>
         <a:buChar char="•"/>
-        <a:defRPr sz="1800" kern="1200">
+        <a:defRPr sz="1200" kern="1200">
           <a:solidFill>
             <a:schemeClr val="tx1"/>
           </a:solidFill>
+          <a:effectLst/>
           <a:latin typeface="+mn-lt"/>
           <a:ea typeface="+mn-ea"/>
           <a:cs typeface="+mn-cs"/>
@@ -3158,17 +3448,22 @@
       </a:lvl6pPr>
       <a:lvl7pPr marL="2971800" indent="-228600" algn="l" defTabSz="914400" rtl="0" eaLnBrk="1" latinLnBrk="0" hangingPunct="1">
         <a:lnSpc>
-          <a:spcPct val="90000"/>
+          <a:spcPct val="120000"/>
         </a:lnSpc>
         <a:spcBef>
           <a:spcPts val="500"/>
         </a:spcBef>
+        <a:buClr>
+          <a:schemeClr val="accent1"/>
+        </a:buClr>
+        <a:buSzPct val="100000"/>
         <a:buFont typeface="Arial" panose="020B0604020202020204" pitchFamily="34" charset="0"/>
         <a:buChar char="•"/>
-        <a:defRPr sz="1800" kern="1200">
+        <a:defRPr sz="1200" kern="1200">
           <a:solidFill>
             <a:schemeClr val="tx1"/>
           </a:solidFill>
+          <a:effectLst/>
           <a:latin typeface="+mn-lt"/>
           <a:ea typeface="+mn-ea"/>
           <a:cs typeface="+mn-cs"/>
@@ -3176,17 +3471,22 @@
       </a:lvl7pPr>
       <a:lvl8pPr marL="3429000" indent="-228600" algn="l" defTabSz="914400" rtl="0" eaLnBrk="1" latinLnBrk="0" hangingPunct="1">
         <a:lnSpc>
-          <a:spcPct val="90000"/>
+          <a:spcPct val="120000"/>
         </a:lnSpc>
         <a:spcBef>
           <a:spcPts val="500"/>
         </a:spcBef>
+        <a:buClr>
+          <a:schemeClr val="accent1"/>
+        </a:buClr>
+        <a:buSzPct val="100000"/>
         <a:buFont typeface="Arial" panose="020B0604020202020204" pitchFamily="34" charset="0"/>
         <a:buChar char="•"/>
-        <a:defRPr sz="1800" kern="1200">
+        <a:defRPr sz="1200" kern="1200" baseline="0">
           <a:solidFill>
             <a:schemeClr val="tx1"/>
           </a:solidFill>
+          <a:effectLst/>
           <a:latin typeface="+mn-lt"/>
           <a:ea typeface="+mn-ea"/>
           <a:cs typeface="+mn-cs"/>
@@ -3194,17 +3494,22 @@
       </a:lvl8pPr>
       <a:lvl9pPr marL="3886200" indent="-228600" algn="l" defTabSz="914400" rtl="0" eaLnBrk="1" latinLnBrk="0" hangingPunct="1">
         <a:lnSpc>
-          <a:spcPct val="90000"/>
+          <a:spcPct val="120000"/>
         </a:lnSpc>
         <a:spcBef>
           <a:spcPts val="500"/>
         </a:spcBef>
+        <a:buClr>
+          <a:schemeClr val="accent1"/>
+        </a:buClr>
+        <a:buSzPct val="100000"/>
         <a:buFont typeface="Arial" panose="020B0604020202020204" pitchFamily="34" charset="0"/>
         <a:buChar char="•"/>
-        <a:defRPr sz="1800" kern="1200">
+        <a:defRPr sz="1200" kern="1200" baseline="0">
           <a:solidFill>
             <a:schemeClr val="tx1"/>
           </a:solidFill>
+          <a:effectLst/>
           <a:latin typeface="+mn-lt"/>
           <a:ea typeface="+mn-ea"/>
           <a:cs typeface="+mn-cs"/>
@@ -3452,7 +3757,7 @@
         <p:spPr/>
         <p:txBody>
           <a:bodyPr>
-            <a:normAutofit fontScale="92500" lnSpcReduction="20000"/>
+            <a:normAutofit fontScale="70000" lnSpcReduction="20000"/>
           </a:bodyPr>
           <a:lstStyle/>
           <a:p>
@@ -3625,7 +3930,7 @@
         <p:spPr/>
         <p:txBody>
           <a:bodyPr>
-            <a:normAutofit fontScale="62500" lnSpcReduction="20000"/>
+            <a:normAutofit fontScale="40000" lnSpcReduction="20000"/>
           </a:bodyPr>
           <a:lstStyle/>
           <a:p>
@@ -3992,7 +4297,7 @@
           <p:cNvPr id="2" name="Title 1">
             <a:extLst>
               <a:ext uri="{FF2B5EF4-FFF2-40B4-BE49-F238E27FC236}">
-                <a16:creationId xmlns:a16="http://schemas.microsoft.com/office/drawing/2014/main" id="{CE04F7FE-A469-42DC-9CD1-5AA0EA3D168D}"/>
+                <a16:creationId xmlns:a16="http://schemas.microsoft.com/office/drawing/2014/main" id="{5D10365D-E2EE-428A-982E-9E6CBB11BEE7}"/>
               </a:ext>
             </a:extLst>
           </p:cNvPr>
@@ -4005,156 +4310,61 @@
         </p:nvSpPr>
         <p:spPr/>
         <p:txBody>
-          <a:bodyPr/>
-          <a:lstStyle/>
-          <a:p>
-            <a:r>
-              <a:rPr lang="en-US" b="1" dirty="0">
-                <a:solidFill>
-                  <a:srgbClr val="0F1115"/>
-                </a:solidFill>
-                <a:effectLst/>
-                <a:latin typeface="quote-cjk-patch"/>
-              </a:rPr>
-              <a:t> Project Goals</a:t>
+          <a:bodyPr>
+            <a:normAutofit fontScale="90000"/>
+          </a:bodyPr>
+          <a:lstStyle/>
+          <a:p>
+            <a:r>
+              <a:rPr lang="en-US" sz="3600" dirty="0"/>
+              <a:t>System architecture</a:t>
             </a:r>
             <a:br>
-              <a:rPr lang="en-US" b="1" dirty="0">
-                <a:solidFill>
-                  <a:srgbClr val="0F1115"/>
-                </a:solidFill>
-                <a:effectLst/>
-                <a:latin typeface="quote-cjk-patch"/>
-              </a:rPr>
+              <a:rPr lang="en-US" sz="3600" dirty="0"/>
             </a:br>
-            <a:endParaRPr lang="en-US" dirty="0"/>
-          </a:p>
-        </p:txBody>
-      </p:sp>
-      <p:sp>
-        <p:nvSpPr>
-          <p:cNvPr id="3" name="Content Placeholder 2">
+            <a:endParaRPr lang="en-US" sz="3600" dirty="0"/>
+          </a:p>
+        </p:txBody>
+      </p:sp>
+      <p:pic>
+        <p:nvPicPr>
+          <p:cNvPr id="5" name="Content Placeholder 4">
             <a:extLst>
               <a:ext uri="{FF2B5EF4-FFF2-40B4-BE49-F238E27FC236}">
-                <a16:creationId xmlns:a16="http://schemas.microsoft.com/office/drawing/2014/main" id="{DBD04AE1-1A48-44C6-B3EC-14B6F62A9491}"/>
+                <a16:creationId xmlns:a16="http://schemas.microsoft.com/office/drawing/2014/main" id="{F9E2B1C5-E3F4-4BC6-B061-AA1A711E52C0}"/>
               </a:ext>
             </a:extLst>
           </p:cNvPr>
-          <p:cNvSpPr>
-            <a:spLocks noGrp="1"/>
-          </p:cNvSpPr>
+          <p:cNvPicPr>
+            <a:picLocks noGrp="1" noChangeAspect="1"/>
+          </p:cNvPicPr>
           <p:nvPr>
             <p:ph idx="1"/>
           </p:nvPr>
-        </p:nvSpPr>
-        <p:spPr/>
-        <p:txBody>
-          <a:bodyPr>
-            <a:normAutofit fontScale="55000" lnSpcReduction="20000"/>
-          </a:bodyPr>
-          <a:lstStyle/>
-          <a:p>
-            <a:pPr lvl="3">
-              <a:buFont typeface="Wingdings" panose="05000000000000000000" pitchFamily="2" charset="2"/>
-              <a:buChar char="Ø"/>
-            </a:pPr>
-            <a:r>
-              <a:rPr lang="en-US" sz="3600" dirty="0"/>
-              <a:t>PROJECT OBJECTIVES &amp; OUTCOMES</a:t>
-            </a:r>
-          </a:p>
-          <a:p>
-            <a:endParaRPr lang="en-US" dirty="0"/>
-          </a:p>
-          <a:p>
-            <a:pPr>
-              <a:buFont typeface="Wingdings" panose="05000000000000000000" pitchFamily="2" charset="2"/>
-              <a:buChar char="v"/>
-            </a:pPr>
-            <a:r>
-              <a:rPr lang="en-US" dirty="0"/>
-              <a:t>Primary Goals:</a:t>
-            </a:r>
-          </a:p>
-          <a:p>
-            <a:r>
-              <a:rPr lang="en-US" dirty="0"/>
-              <a:t>✓ Streamline rental booking process</a:t>
-            </a:r>
-          </a:p>
-          <a:p>
-            <a:r>
-              <a:rPr lang="en-US" dirty="0"/>
-              <a:t>✓ Track equipment availability in real-time</a:t>
-            </a:r>
-          </a:p>
-          <a:p>
-            <a:r>
-              <a:rPr lang="en-US" dirty="0"/>
-              <a:t>✓ Automate payment and billing</a:t>
-            </a:r>
-          </a:p>
-          <a:p>
-            <a:r>
-              <a:rPr lang="en-US" dirty="0"/>
-              <a:t>✓ Schedule preventive maintenance</a:t>
-            </a:r>
-          </a:p>
-          <a:p>
-            <a:r>
-              <a:rPr lang="en-US" dirty="0"/>
-              <a:t>✓ Generate analytical reports</a:t>
-            </a:r>
-          </a:p>
-          <a:p>
-            <a:endParaRPr lang="en-US" dirty="0"/>
-          </a:p>
-          <a:p>
-            <a:pPr>
-              <a:buFont typeface="Wingdings" panose="05000000000000000000" pitchFamily="2" charset="2"/>
-              <a:buChar char="v"/>
-            </a:pPr>
-            <a:r>
-              <a:rPr lang="en-US" dirty="0"/>
-              <a:t>Expected Outcomes:</a:t>
-            </a:r>
-          </a:p>
-          <a:p>
-            <a:r>
-              <a:rPr lang="en-US" dirty="0"/>
-              <a:t>• 50% reduction in scheduling conflicts</a:t>
-            </a:r>
-          </a:p>
-          <a:p>
-            <a:r>
-              <a:rPr lang="en-US" dirty="0"/>
-              <a:t>• 30% increase in equipment utilization</a:t>
-            </a:r>
-          </a:p>
-          <a:p>
-            <a:r>
-              <a:rPr lang="en-US" dirty="0"/>
-              <a:t>• Automated revenue tracking</a:t>
-            </a:r>
-          </a:p>
-          <a:p>
-            <a:r>
-              <a:rPr lang="en-US" dirty="0"/>
-              <a:t>• Predictive maintenance alerts</a:t>
-            </a:r>
-          </a:p>
-          <a:p>
-            <a:r>
-              <a:rPr lang="en-US" dirty="0"/>
-              <a:t>• Enhanced customer satisfaction</a:t>
-            </a:r>
-          </a:p>
-        </p:txBody>
-      </p:sp>
+        </p:nvPicPr>
+        <p:blipFill>
+          <a:blip r:embed="rId2">
+            <a:extLst>
+              <a:ext uri="{28A0092B-C50C-407E-A947-70E740481C1C}">
+                <a14:useLocalDpi xmlns:a14="http://schemas.microsoft.com/office/drawing/2010/main" val="0"/>
+              </a:ext>
+            </a:extLst>
+          </a:blip>
+          <a:stretch>
+            <a:fillRect/>
+          </a:stretch>
+        </p:blipFill>
+        <p:spPr>
+          <a:xfrm>
+            <a:off x="2034491" y="2016125"/>
+            <a:ext cx="8437342" cy="3449638"/>
+          </a:xfrm>
+        </p:spPr>
+      </p:pic>
     </p:spTree>
     <p:extLst>
       <p:ext uri="{BB962C8B-B14F-4D97-AF65-F5344CB8AC3E}">
-        <p14:creationId xmlns:p14="http://schemas.microsoft.com/office/powerpoint/2010/main" val="460173300"/>
+        <p14:creationId xmlns:p14="http://schemas.microsoft.com/office/powerpoint/2010/main" val="3447299297"/>
       </p:ext>
     </p:extLst>
   </p:cSld>
@@ -4186,7 +4396,7 @@
           <p:cNvPr id="2" name="Title 1">
             <a:extLst>
               <a:ext uri="{FF2B5EF4-FFF2-40B4-BE49-F238E27FC236}">
-                <a16:creationId xmlns:a16="http://schemas.microsoft.com/office/drawing/2014/main" id="{0CA14DF8-D3E0-4098-A46F-62BE3ACECA0F}"/>
+                <a16:creationId xmlns:a16="http://schemas.microsoft.com/office/drawing/2014/main" id="{CE04F7FE-A469-42DC-9CD1-5AA0EA3D168D}"/>
               </a:ext>
             </a:extLst>
           </p:cNvPr>
@@ -4210,7 +4420,7 @@
                 <a:effectLst/>
                 <a:latin typeface="quote-cjk-patch"/>
               </a:rPr>
-              <a:t> BI Potential</a:t>
+              <a:t> Project Goals</a:t>
             </a:r>
             <a:br>
               <a:rPr lang="en-US" b="1" dirty="0">
@@ -4230,7 +4440,7 @@
           <p:cNvPr id="3" name="Content Placeholder 2">
             <a:extLst>
               <a:ext uri="{FF2B5EF4-FFF2-40B4-BE49-F238E27FC236}">
-                <a16:creationId xmlns:a16="http://schemas.microsoft.com/office/drawing/2014/main" id="{F044AFA2-168A-4994-900E-B3FAC04ACA38}"/>
+                <a16:creationId xmlns:a16="http://schemas.microsoft.com/office/drawing/2014/main" id="{DBD04AE1-1A48-44C6-B3EC-14B6F62A9491}"/>
               </a:ext>
             </a:extLst>
           </p:cNvPr>
@@ -4241,135 +4451,106 @@
             <p:ph idx="1"/>
           </p:nvPr>
         </p:nvSpPr>
-        <p:spPr>
-          <a:xfrm>
-            <a:off x="731669" y="1253331"/>
-            <a:ext cx="10515600" cy="4351338"/>
-          </a:xfrm>
-        </p:spPr>
+        <p:spPr/>
         <p:txBody>
           <a:bodyPr>
-            <a:noAutofit/>
+            <a:normAutofit fontScale="25000" lnSpcReduction="20000"/>
           </a:bodyPr>
           <a:lstStyle/>
           <a:p>
-            <a:r>
-              <a:rPr lang="en-US" sz="1100" dirty="0"/>
-              <a:t>BUSINESS INTELLIGENCE OPPORTUNITIES</a:t>
-            </a:r>
-          </a:p>
-          <a:p>
-            <a:endParaRPr lang="en-US" sz="1100" dirty="0"/>
-          </a:p>
-          <a:p>
-            <a:r>
-              <a:rPr lang="en-US" sz="1100" dirty="0"/>
-              <a:t>Analytics for Decision-Making:</a:t>
-            </a:r>
-          </a:p>
-          <a:p>
-            <a:endParaRPr lang="en-US" sz="1100" dirty="0"/>
-          </a:p>
-          <a:p>
-            <a:r>
-              <a:rPr lang="en-US" sz="1100" dirty="0"/>
-              <a:t>1. Equipment Utilization Analytics</a:t>
-            </a:r>
-          </a:p>
-          <a:p>
-            <a:r>
-              <a:rPr lang="en-US" sz="1100" dirty="0"/>
-              <a:t>   - Peak demand periods identification</a:t>
-            </a:r>
-          </a:p>
-          <a:p>
-            <a:r>
-              <a:rPr lang="en-US" sz="1100" dirty="0"/>
-              <a:t>   - Underutilized equipment optimization</a:t>
-            </a:r>
-          </a:p>
-          <a:p>
-            <a:endParaRPr lang="en-US" sz="1100" dirty="0"/>
-          </a:p>
-          <a:p>
-            <a:r>
-              <a:rPr lang="en-US" sz="1100" dirty="0"/>
-              <a:t>2. Revenue Forecasting</a:t>
-            </a:r>
-          </a:p>
-          <a:p>
-            <a:r>
-              <a:rPr lang="en-US" sz="1100" dirty="0"/>
-              <a:t>   - Seasonal revenue predictions</a:t>
-            </a:r>
-          </a:p>
-          <a:p>
-            <a:r>
-              <a:rPr lang="en-US" sz="1100" dirty="0"/>
-              <a:t>   - Pricing optimization models</a:t>
-            </a:r>
-          </a:p>
-          <a:p>
-            <a:endParaRPr lang="en-US" sz="1100" dirty="0"/>
-          </a:p>
-          <a:p>
-            <a:r>
-              <a:rPr lang="en-US" sz="1100" dirty="0"/>
-              <a:t>3. Maintenance Cost Analysis</a:t>
-            </a:r>
-          </a:p>
-          <a:p>
-            <a:r>
-              <a:rPr lang="en-US" sz="1100" dirty="0"/>
-              <a:t>   - Preventive vs reactive cost comparison</a:t>
-            </a:r>
-          </a:p>
-          <a:p>
-            <a:r>
-              <a:rPr lang="en-US" sz="1100" dirty="0"/>
-              <a:t>   - Downtime impact on revenue</a:t>
-            </a:r>
-          </a:p>
-          <a:p>
-            <a:endParaRPr lang="en-US" sz="1100" dirty="0"/>
-          </a:p>
-          <a:p>
-            <a:r>
-              <a:rPr lang="en-US" sz="1100" dirty="0"/>
-              <a:t>4. Customer Behavior Insights</a:t>
-            </a:r>
-          </a:p>
-          <a:p>
-            <a:r>
-              <a:rPr lang="en-US" sz="1100" dirty="0"/>
-              <a:t>   - Rental pattern analysis</a:t>
-            </a:r>
-          </a:p>
-          <a:p>
-            <a:r>
-              <a:rPr lang="en-US" sz="1100" dirty="0"/>
-              <a:t>   - Customer retention strategies</a:t>
-            </a:r>
-          </a:p>
-          <a:p>
-            <a:endParaRPr lang="en-US" sz="1100" dirty="0"/>
-          </a:p>
-          <a:p>
-            <a:r>
-              <a:rPr lang="en-US" sz="1100" dirty="0"/>
-              <a:t>5. Operational Efficiency</a:t>
-            </a:r>
-          </a:p>
-          <a:p>
-            <a:r>
-              <a:rPr lang="en-US" sz="1100" dirty="0"/>
-              <a:t>   - Depot performance metrics</a:t>
-            </a:r>
-          </a:p>
-          <a:p>
-            <a:r>
-              <a:rPr lang="en-US" sz="1100" dirty="0"/>
-              <a:t>   - Resource allocation optimization</a:t>
+            <a:pPr lvl="3">
+              <a:buFont typeface="Wingdings" panose="05000000000000000000" pitchFamily="2" charset="2"/>
+              <a:buChar char="Ø"/>
+            </a:pPr>
+            <a:r>
+              <a:rPr lang="en-US" sz="3600" dirty="0"/>
+              <a:t>PROJECT OBJECTIVES &amp; OUTCOMES</a:t>
+            </a:r>
+          </a:p>
+          <a:p>
+            <a:endParaRPr lang="en-US" dirty="0"/>
+          </a:p>
+          <a:p>
+            <a:pPr>
+              <a:buFont typeface="Wingdings" panose="05000000000000000000" pitchFamily="2" charset="2"/>
+              <a:buChar char="v"/>
+            </a:pPr>
+            <a:r>
+              <a:rPr lang="en-US" dirty="0"/>
+              <a:t>Primary Goals:</a:t>
+            </a:r>
+          </a:p>
+          <a:p>
+            <a:r>
+              <a:rPr lang="en-US" dirty="0"/>
+              <a:t>✓ Streamline rental booking process</a:t>
+            </a:r>
+          </a:p>
+          <a:p>
+            <a:r>
+              <a:rPr lang="en-US" dirty="0"/>
+              <a:t>✓ Track equipment availability in real-time</a:t>
+            </a:r>
+          </a:p>
+          <a:p>
+            <a:r>
+              <a:rPr lang="en-US" dirty="0"/>
+              <a:t>✓ Automate payment and billing</a:t>
+            </a:r>
+          </a:p>
+          <a:p>
+            <a:r>
+              <a:rPr lang="en-US" dirty="0"/>
+              <a:t>✓ Schedule preventive maintenance</a:t>
+            </a:r>
+          </a:p>
+          <a:p>
+            <a:r>
+              <a:rPr lang="en-US" dirty="0"/>
+              <a:t>✓ Generate analytical reports</a:t>
+            </a:r>
+          </a:p>
+          <a:p>
+            <a:endParaRPr lang="en-US" dirty="0"/>
+          </a:p>
+          <a:p>
+            <a:pPr>
+              <a:buFont typeface="Wingdings" panose="05000000000000000000" pitchFamily="2" charset="2"/>
+              <a:buChar char="v"/>
+            </a:pPr>
+            <a:r>
+              <a:rPr lang="en-US" dirty="0"/>
+              <a:t>Expected Outcomes:</a:t>
+            </a:r>
+          </a:p>
+          <a:p>
+            <a:r>
+              <a:rPr lang="en-US" dirty="0"/>
+              <a:t>• 50% reduction in scheduling conflicts</a:t>
+            </a:r>
+          </a:p>
+          <a:p>
+            <a:r>
+              <a:rPr lang="en-US" dirty="0"/>
+              <a:t>• 30% increase in equipment utilization</a:t>
+            </a:r>
+          </a:p>
+          <a:p>
+            <a:r>
+              <a:rPr lang="en-US" dirty="0"/>
+              <a:t>• Automated revenue tracking</a:t>
+            </a:r>
+          </a:p>
+          <a:p>
+            <a:r>
+              <a:rPr lang="en-US" dirty="0"/>
+              <a:t>• Predictive maintenance alerts</a:t>
+            </a:r>
+          </a:p>
+          <a:p>
+            <a:r>
+              <a:rPr lang="en-US" dirty="0"/>
+              <a:t>• Enhanced customer satisfaction</a:t>
             </a:r>
           </a:p>
         </p:txBody>
@@ -4377,7 +4558,7 @@
     </p:spTree>
     <p:extLst>
       <p:ext uri="{BB962C8B-B14F-4D97-AF65-F5344CB8AC3E}">
-        <p14:creationId xmlns:p14="http://schemas.microsoft.com/office/powerpoint/2010/main" val="2098767784"/>
+        <p14:creationId xmlns:p14="http://schemas.microsoft.com/office/powerpoint/2010/main" val="460173300"/>
       </p:ext>
     </p:extLst>
   </p:cSld>
@@ -4409,6 +4590,229 @@
           <p:cNvPr id="2" name="Title 1">
             <a:extLst>
               <a:ext uri="{FF2B5EF4-FFF2-40B4-BE49-F238E27FC236}">
+                <a16:creationId xmlns:a16="http://schemas.microsoft.com/office/drawing/2014/main" id="{0CA14DF8-D3E0-4098-A46F-62BE3ACECA0F}"/>
+              </a:ext>
+            </a:extLst>
+          </p:cNvPr>
+          <p:cNvSpPr>
+            <a:spLocks noGrp="1"/>
+          </p:cNvSpPr>
+          <p:nvPr>
+            <p:ph type="title"/>
+          </p:nvPr>
+        </p:nvSpPr>
+        <p:spPr/>
+        <p:txBody>
+          <a:bodyPr/>
+          <a:lstStyle/>
+          <a:p>
+            <a:r>
+              <a:rPr lang="en-US" b="1" dirty="0">
+                <a:solidFill>
+                  <a:srgbClr val="0F1115"/>
+                </a:solidFill>
+                <a:effectLst/>
+                <a:latin typeface="quote-cjk-patch"/>
+              </a:rPr>
+              <a:t> BI Potential</a:t>
+            </a:r>
+            <a:br>
+              <a:rPr lang="en-US" b="1" dirty="0">
+                <a:solidFill>
+                  <a:srgbClr val="0F1115"/>
+                </a:solidFill>
+                <a:effectLst/>
+                <a:latin typeface="quote-cjk-patch"/>
+              </a:rPr>
+            </a:br>
+            <a:endParaRPr lang="en-US" dirty="0"/>
+          </a:p>
+        </p:txBody>
+      </p:sp>
+      <p:sp>
+        <p:nvSpPr>
+          <p:cNvPr id="3" name="Content Placeholder 2">
+            <a:extLst>
+              <a:ext uri="{FF2B5EF4-FFF2-40B4-BE49-F238E27FC236}">
+                <a16:creationId xmlns:a16="http://schemas.microsoft.com/office/drawing/2014/main" id="{F044AFA2-168A-4994-900E-B3FAC04ACA38}"/>
+              </a:ext>
+            </a:extLst>
+          </p:cNvPr>
+          <p:cNvSpPr>
+            <a:spLocks noGrp="1"/>
+          </p:cNvSpPr>
+          <p:nvPr>
+            <p:ph idx="1"/>
+          </p:nvPr>
+        </p:nvSpPr>
+        <p:spPr>
+          <a:xfrm>
+            <a:off x="731669" y="1253331"/>
+            <a:ext cx="10515600" cy="4351338"/>
+          </a:xfrm>
+        </p:spPr>
+        <p:txBody>
+          <a:bodyPr>
+            <a:noAutofit/>
+          </a:bodyPr>
+          <a:lstStyle/>
+          <a:p>
+            <a:r>
+              <a:rPr lang="en-US" sz="1100" dirty="0"/>
+              <a:t>BUSINESS INTELLIGENCE OPPORTUNITIES</a:t>
+            </a:r>
+          </a:p>
+          <a:p>
+            <a:endParaRPr lang="en-US" sz="1100" dirty="0"/>
+          </a:p>
+          <a:p>
+            <a:r>
+              <a:rPr lang="en-US" sz="1100" dirty="0"/>
+              <a:t>Analytics for Decision-Making:</a:t>
+            </a:r>
+          </a:p>
+          <a:p>
+            <a:endParaRPr lang="en-US" sz="1100" dirty="0"/>
+          </a:p>
+          <a:p>
+            <a:r>
+              <a:rPr lang="en-US" sz="1100" dirty="0"/>
+              <a:t>1. Equipment Utilization Analytics</a:t>
+            </a:r>
+          </a:p>
+          <a:p>
+            <a:r>
+              <a:rPr lang="en-US" sz="1100" dirty="0"/>
+              <a:t>   - Peak demand periods identification</a:t>
+            </a:r>
+          </a:p>
+          <a:p>
+            <a:r>
+              <a:rPr lang="en-US" sz="1100" dirty="0"/>
+              <a:t>   - Underutilized equipment optimization</a:t>
+            </a:r>
+          </a:p>
+          <a:p>
+            <a:endParaRPr lang="en-US" sz="1100" dirty="0"/>
+          </a:p>
+          <a:p>
+            <a:r>
+              <a:rPr lang="en-US" sz="1100" dirty="0"/>
+              <a:t>2. Revenue Forecasting</a:t>
+            </a:r>
+          </a:p>
+          <a:p>
+            <a:r>
+              <a:rPr lang="en-US" sz="1100" dirty="0"/>
+              <a:t>   - Seasonal revenue predictions</a:t>
+            </a:r>
+          </a:p>
+          <a:p>
+            <a:r>
+              <a:rPr lang="en-US" sz="1100" dirty="0"/>
+              <a:t>   - Pricing optimization models</a:t>
+            </a:r>
+          </a:p>
+          <a:p>
+            <a:endParaRPr lang="en-US" sz="1100" dirty="0"/>
+          </a:p>
+          <a:p>
+            <a:r>
+              <a:rPr lang="en-US" sz="1100" dirty="0"/>
+              <a:t>3. Maintenance Cost Analysis</a:t>
+            </a:r>
+          </a:p>
+          <a:p>
+            <a:r>
+              <a:rPr lang="en-US" sz="1100" dirty="0"/>
+              <a:t>   - Preventive vs reactive cost comparison</a:t>
+            </a:r>
+          </a:p>
+          <a:p>
+            <a:r>
+              <a:rPr lang="en-US" sz="1100" dirty="0"/>
+              <a:t>   - Downtime impact on revenue</a:t>
+            </a:r>
+          </a:p>
+          <a:p>
+            <a:endParaRPr lang="en-US" sz="1100" dirty="0"/>
+          </a:p>
+          <a:p>
+            <a:r>
+              <a:rPr lang="en-US" sz="1100" dirty="0"/>
+              <a:t>4. Customer Behavior Insights</a:t>
+            </a:r>
+          </a:p>
+          <a:p>
+            <a:r>
+              <a:rPr lang="en-US" sz="1100" dirty="0"/>
+              <a:t>   - Rental pattern analysis</a:t>
+            </a:r>
+          </a:p>
+          <a:p>
+            <a:r>
+              <a:rPr lang="en-US" sz="1100" dirty="0"/>
+              <a:t>   - Customer retention strategies</a:t>
+            </a:r>
+          </a:p>
+          <a:p>
+            <a:endParaRPr lang="en-US" sz="1100" dirty="0"/>
+          </a:p>
+          <a:p>
+            <a:r>
+              <a:rPr lang="en-US" sz="1100" dirty="0"/>
+              <a:t>5. Operational Efficiency</a:t>
+            </a:r>
+          </a:p>
+          <a:p>
+            <a:r>
+              <a:rPr lang="en-US" sz="1100" dirty="0"/>
+              <a:t>   - Depot performance metrics</a:t>
+            </a:r>
+          </a:p>
+          <a:p>
+            <a:r>
+              <a:rPr lang="en-US" sz="1100" dirty="0"/>
+              <a:t>   - Resource allocation optimization</a:t>
+            </a:r>
+          </a:p>
+        </p:txBody>
+      </p:sp>
+    </p:spTree>
+    <p:extLst>
+      <p:ext uri="{BB962C8B-B14F-4D97-AF65-F5344CB8AC3E}">
+        <p14:creationId xmlns:p14="http://schemas.microsoft.com/office/powerpoint/2010/main" val="2098767784"/>
+      </p:ext>
+    </p:extLst>
+  </p:cSld>
+  <p:clrMapOvr>
+    <a:masterClrMapping/>
+  </p:clrMapOvr>
+</p:sld>
+</file>
+
+<file path=ppt/slides/slide8.xml><?xml version="1.0" encoding="utf-8"?>
+<p:sld xmlns:a="http://schemas.openxmlformats.org/drawingml/2006/main" xmlns:r="http://schemas.openxmlformats.org/officeDocument/2006/relationships" xmlns:p="http://schemas.openxmlformats.org/presentationml/2006/main">
+  <p:cSld>
+    <p:spTree>
+      <p:nvGrpSpPr>
+        <p:cNvPr id="1" name=""/>
+        <p:cNvGrpSpPr/>
+        <p:nvPr/>
+      </p:nvGrpSpPr>
+      <p:grpSpPr>
+        <a:xfrm>
+          <a:off x="0" y="0"/>
+          <a:ext cx="0" cy="0"/>
+          <a:chOff x="0" y="0"/>
+          <a:chExt cx="0" cy="0"/>
+        </a:xfrm>
+      </p:grpSpPr>
+      <p:sp>
+        <p:nvSpPr>
+          <p:cNvPr id="2" name="Title 1">
+            <a:extLst>
+              <a:ext uri="{FF2B5EF4-FFF2-40B4-BE49-F238E27FC236}">
                 <a16:creationId xmlns:a16="http://schemas.microsoft.com/office/drawing/2014/main" id="{52473C50-F948-42DC-927D-2634855E0AB5}"/>
               </a:ext>
             </a:extLst>
@@ -4425,35 +4829,56 @@
           <a:bodyPr/>
           <a:lstStyle/>
           <a:p>
-            <a:endParaRPr lang="en-US"/>
-          </a:p>
-        </p:txBody>
-      </p:sp>
-      <p:sp>
-        <p:nvSpPr>
-          <p:cNvPr id="3" name="Content Placeholder 2">
+            <a:r>
+              <a:rPr lang="en-US" sz="3600" dirty="0"/>
+              <a:t>Power </a:t>
+            </a:r>
+            <a:r>
+              <a:rPr lang="en-US" sz="3600" dirty="0" err="1"/>
+              <a:t>bI</a:t>
+            </a:r>
+            <a:br>
+              <a:rPr lang="en-US" dirty="0"/>
+            </a:br>
+            <a:endParaRPr lang="en-US" dirty="0"/>
+          </a:p>
+        </p:txBody>
+      </p:sp>
+      <p:pic>
+        <p:nvPicPr>
+          <p:cNvPr id="5" name="Content Placeholder 4">
             <a:extLst>
               <a:ext uri="{FF2B5EF4-FFF2-40B4-BE49-F238E27FC236}">
-                <a16:creationId xmlns:a16="http://schemas.microsoft.com/office/drawing/2014/main" id="{5D0D1691-4CDE-4702-B473-154851A8EC1C}"/>
+                <a16:creationId xmlns:a16="http://schemas.microsoft.com/office/drawing/2014/main" id="{0C251037-F659-420E-9A50-5079C686601A}"/>
               </a:ext>
             </a:extLst>
           </p:cNvPr>
-          <p:cNvSpPr>
-            <a:spLocks noGrp="1"/>
-          </p:cNvSpPr>
+          <p:cNvPicPr>
+            <a:picLocks noGrp="1" noChangeAspect="1"/>
+          </p:cNvPicPr>
           <p:nvPr>
             <p:ph idx="1"/>
           </p:nvPr>
-        </p:nvSpPr>
-        <p:spPr/>
-        <p:txBody>
-          <a:bodyPr/>
-          <a:lstStyle/>
-          <a:p>
-            <a:endParaRPr lang="en-US"/>
-          </a:p>
-        </p:txBody>
-      </p:sp>
+        </p:nvPicPr>
+        <p:blipFill>
+          <a:blip r:embed="rId2">
+            <a:extLst>
+              <a:ext uri="{28A0092B-C50C-407E-A947-70E740481C1C}">
+                <a14:useLocalDpi xmlns:a14="http://schemas.microsoft.com/office/drawing/2010/main" val="0"/>
+              </a:ext>
+            </a:extLst>
+          </a:blip>
+          <a:stretch>
+            <a:fillRect/>
+          </a:stretch>
+        </p:blipFill>
+        <p:spPr>
+          <a:xfrm>
+            <a:off x="2828420" y="2016125"/>
+            <a:ext cx="6849484" cy="3449638"/>
+          </a:xfrm>
+        </p:spPr>
+      </p:pic>
     </p:spTree>
     <p:extLst>
       <p:ext uri="{BB962C8B-B14F-4D97-AF65-F5344CB8AC3E}">
@@ -4468,9 +4893,9 @@
 </file>
 
 <file path=ppt/theme/theme1.xml><?xml version="1.0" encoding="utf-8"?>
-<a:theme xmlns:a="http://schemas.openxmlformats.org/drawingml/2006/main" name="Office Theme">
+<a:theme xmlns:a="http://schemas.openxmlformats.org/drawingml/2006/main" name="Gallery">
   <a:themeElements>
-    <a:clrScheme name="Office">
+    <a:clrScheme name="Gallery">
       <a:dk1>
         <a:sysClr val="windowText" lastClr="000000"/>
       </a:dk1>
@@ -4478,39 +4903,39 @@
         <a:sysClr val="window" lastClr="FFFFFF"/>
       </a:lt1>
       <a:dk2>
-        <a:srgbClr val="44546A"/>
+        <a:srgbClr val="454545"/>
       </a:dk2>
       <a:lt2>
-        <a:srgbClr val="E7E6E6"/>
+        <a:srgbClr val="DFDBD5"/>
       </a:lt2>
       <a:accent1>
-        <a:srgbClr val="4472C4"/>
+        <a:srgbClr val="B71E42"/>
       </a:accent1>
       <a:accent2>
-        <a:srgbClr val="ED7D31"/>
+        <a:srgbClr val="DE478E"/>
       </a:accent2>
       <a:accent3>
-        <a:srgbClr val="A5A5A5"/>
+        <a:srgbClr val="BC72F0"/>
       </a:accent3>
       <a:accent4>
-        <a:srgbClr val="FFC000"/>
+        <a:srgbClr val="795FAF"/>
       </a:accent4>
       <a:accent5>
-        <a:srgbClr val="5B9BD5"/>
+        <a:srgbClr val="586EA6"/>
       </a:accent5>
       <a:accent6>
-        <a:srgbClr val="70AD47"/>
+        <a:srgbClr val="6892A0"/>
       </a:accent6>
       <a:hlink>
-        <a:srgbClr val="0563C1"/>
+        <a:srgbClr val="FA2B5C"/>
       </a:hlink>
       <a:folHlink>
-        <a:srgbClr val="954F72"/>
+        <a:srgbClr val="BC658E"/>
       </a:folHlink>
     </a:clrScheme>
-    <a:fontScheme name="Office">
+    <a:fontScheme name="Gallery">
       <a:majorFont>
-        <a:latin typeface="Calibri Light" panose="020F0302020204030204"/>
+        <a:latin typeface="Gill Sans MT" panose="020B0502020104020203"/>
         <a:ea typeface=""/>
         <a:cs typeface=""/>
         <a:font script="Jpan" typeface="游ゴシック Light"/>
@@ -4543,26 +4968,9 @@
         <a:font script="Viet" typeface="Times New Roman"/>
         <a:font script="Uigh" typeface="Microsoft Uighur"/>
         <a:font script="Geor" typeface="Sylfaen"/>
-        <a:font script="Armn" typeface="Arial"/>
-        <a:font script="Bugi" typeface="Leelawadee UI"/>
-        <a:font script="Bopo" typeface="Microsoft JhengHei"/>
-        <a:font script="Java" typeface="Javanese Text"/>
-        <a:font script="Lisu" typeface="Segoe UI"/>
-        <a:font script="Mymr" typeface="Myanmar Text"/>
-        <a:font script="Nkoo" typeface="Ebrima"/>
-        <a:font script="Olck" typeface="Nirmala UI"/>
-        <a:font script="Osma" typeface="Ebrima"/>
-        <a:font script="Phag" typeface="Phagspa"/>
-        <a:font script="Syrn" typeface="Estrangelo Edessa"/>
-        <a:font script="Syrj" typeface="Estrangelo Edessa"/>
-        <a:font script="Syre" typeface="Estrangelo Edessa"/>
-        <a:font script="Sora" typeface="Nirmala UI"/>
-        <a:font script="Tale" typeface="Microsoft Tai Le"/>
-        <a:font script="Talu" typeface="Microsoft New Tai Lue"/>
-        <a:font script="Tfng" typeface="Ebrima"/>
       </a:majorFont>
       <a:minorFont>
-        <a:latin typeface="Calibri" panose="020F0502020204030204"/>
+        <a:latin typeface="Gill Sans MT" panose="020B0502020104020203"/>
         <a:ea typeface=""/>
         <a:cs typeface=""/>
         <a:font script="Jpan" typeface="游ゴシック"/>
@@ -4595,26 +5003,9 @@
         <a:font script="Viet" typeface="Arial"/>
         <a:font script="Uigh" typeface="Microsoft Uighur"/>
         <a:font script="Geor" typeface="Sylfaen"/>
-        <a:font script="Armn" typeface="Arial"/>
-        <a:font script="Bugi" typeface="Leelawadee UI"/>
-        <a:font script="Bopo" typeface="Microsoft JhengHei"/>
-        <a:font script="Java" typeface="Javanese Text"/>
-        <a:font script="Lisu" typeface="Segoe UI"/>
-        <a:font script="Mymr" typeface="Myanmar Text"/>
-        <a:font script="Nkoo" typeface="Ebrima"/>
-        <a:font script="Olck" typeface="Nirmala UI"/>
-        <a:font script="Osma" typeface="Ebrima"/>
-        <a:font script="Phag" typeface="Phagspa"/>
-        <a:font script="Syrn" typeface="Estrangelo Edessa"/>
-        <a:font script="Syrj" typeface="Estrangelo Edessa"/>
-        <a:font script="Syre" typeface="Estrangelo Edessa"/>
-        <a:font script="Sora" typeface="Nirmala UI"/>
-        <a:font script="Tale" typeface="Microsoft Tai Le"/>
-        <a:font script="Talu" typeface="Microsoft New Tai Lue"/>
-        <a:font script="Tfng" typeface="Ebrima"/>
       </a:minorFont>
     </a:fontScheme>
-    <a:fmtScheme name="Office">
+    <a:fmtScheme name="Gallery">
       <a:fillStyleLst>
         <a:solidFill>
           <a:schemeClr val="phClr"/>
@@ -4623,23 +5014,18 @@
           <a:gsLst>
             <a:gs pos="0">
               <a:schemeClr val="phClr">
+                <a:tint val="54000"/>
+                <a:alpha val="100000"/>
+                <a:satMod val="105000"/>
                 <a:lumMod val="110000"/>
-                <a:satMod val="105000"/>
-                <a:tint val="67000"/>
-              </a:schemeClr>
-            </a:gs>
-            <a:gs pos="50000">
-              <a:schemeClr val="phClr">
-                <a:lumMod val="105000"/>
-                <a:satMod val="103000"/>
-                <a:tint val="73000"/>
               </a:schemeClr>
             </a:gs>
             <a:gs pos="100000">
               <a:schemeClr val="phClr">
-                <a:lumMod val="105000"/>
+                <a:tint val="78000"/>
+                <a:alpha val="92000"/>
                 <a:satMod val="109000"/>
-                <a:tint val="81000"/>
+                <a:lumMod val="100000"/>
               </a:schemeClr>
             </a:gs>
           </a:gsLst>
@@ -4649,23 +5035,23 @@
           <a:gsLst>
             <a:gs pos="0">
               <a:schemeClr val="phClr">
-                <a:satMod val="103000"/>
-                <a:lumMod val="102000"/>
-                <a:tint val="94000"/>
+                <a:tint val="98000"/>
+                <a:satMod val="110000"/>
+                <a:lumMod val="104000"/>
               </a:schemeClr>
             </a:gs>
-            <a:gs pos="50000">
+            <a:gs pos="69000">
               <a:schemeClr val="phClr">
-                <a:satMod val="110000"/>
-                <a:lumMod val="100000"/>
-                <a:shade val="100000"/>
+                <a:shade val="88000"/>
+                <a:satMod val="130000"/>
+                <a:lumMod val="92000"/>
               </a:schemeClr>
             </a:gs>
             <a:gs pos="100000">
               <a:schemeClr val="phClr">
-                <a:lumMod val="99000"/>
-                <a:satMod val="120000"/>
                 <a:shade val="78000"/>
+                <a:satMod val="130000"/>
+                <a:lumMod val="92000"/>
               </a:schemeClr>
             </a:gs>
           </a:gsLst>
@@ -4673,26 +5059,23 @@
         </a:gradFill>
       </a:fillStyleLst>
       <a:lnStyleLst>
-        <a:ln w="6350" cap="flat" cmpd="sng" algn="ctr">
+        <a:ln w="9525" cap="flat" cmpd="sng" algn="ctr">
           <a:solidFill>
             <a:schemeClr val="phClr"/>
           </a:solidFill>
           <a:prstDash val="solid"/>
-          <a:miter lim="800000"/>
         </a:ln>
-        <a:ln w="12700" cap="flat" cmpd="sng" algn="ctr">
+        <a:ln w="15875" cap="flat" cmpd="sng" algn="ctr">
           <a:solidFill>
             <a:schemeClr val="phClr"/>
           </a:solidFill>
           <a:prstDash val="solid"/>
-          <a:miter lim="800000"/>
         </a:ln>
-        <a:ln w="19050" cap="flat" cmpd="sng" algn="ctr">
+        <a:ln w="22225" cap="flat" cmpd="sng" algn="ctr">
           <a:solidFill>
             <a:schemeClr val="phClr"/>
           </a:solidFill>
           <a:prstDash val="solid"/>
-          <a:miter lim="800000"/>
         </a:ln>
       </a:lnStyleLst>
       <a:effectStyleLst>
@@ -4704,12 +5087,23 @@
         </a:effectStyle>
         <a:effectStyle>
           <a:effectLst>
-            <a:outerShdw blurRad="57150" dist="19050" dir="5400000" algn="ctr" rotWithShape="0">
+            <a:outerShdw blurRad="50800" dist="50800" dir="5400000" sx="96000" sy="96000" rotWithShape="0">
               <a:srgbClr val="000000">
-                <a:alpha val="63000"/>
+                <a:alpha val="48000"/>
               </a:srgbClr>
             </a:outerShdw>
           </a:effectLst>
+          <a:scene3d>
+            <a:camera prst="orthographicFront">
+              <a:rot lat="0" lon="0" rev="0"/>
+            </a:camera>
+            <a:lightRig rig="balanced" dir="t">
+              <a:rot lat="0" lon="0" rev="1080000"/>
+            </a:lightRig>
+          </a:scene3d>
+          <a:sp3d>
+            <a:bevelT w="38100" h="12700" prst="softRound"/>
+          </a:sp3d>
         </a:effectStyle>
       </a:effectStyleLst>
       <a:bgFillStyleLst>
@@ -4717,37 +5111,26 @@
           <a:schemeClr val="phClr"/>
         </a:solidFill>
         <a:solidFill>
-          <a:schemeClr val="phClr">
-            <a:tint val="95000"/>
-            <a:satMod val="170000"/>
-          </a:schemeClr>
+          <a:schemeClr val="phClr"/>
         </a:solidFill>
         <a:gradFill rotWithShape="1">
           <a:gsLst>
             <a:gs pos="0">
               <a:schemeClr val="phClr">
-                <a:tint val="93000"/>
-                <a:satMod val="150000"/>
-                <a:shade val="98000"/>
-                <a:lumMod val="102000"/>
-              </a:schemeClr>
-            </a:gs>
-            <a:gs pos="50000">
-              <a:schemeClr val="phClr">
-                <a:tint val="98000"/>
-                <a:satMod val="130000"/>
-                <a:shade val="90000"/>
-                <a:lumMod val="103000"/>
+                <a:tint val="94000"/>
+                <a:satMod val="80000"/>
+                <a:lumMod val="106000"/>
               </a:schemeClr>
             </a:gs>
             <a:gs pos="100000">
               <a:schemeClr val="phClr">
-                <a:shade val="63000"/>
-                <a:satMod val="120000"/>
+                <a:shade val="80000"/>
               </a:schemeClr>
             </a:gs>
           </a:gsLst>
-          <a:lin ang="5400000" scaled="0"/>
+          <a:path path="circle">
+            <a:fillToRect l="43000" r="43000" b="100000"/>
+          </a:path>
         </a:gradFill>
       </a:bgFillStyleLst>
     </a:fmtScheme>
@@ -4756,7 +5139,7 @@
   <a:extraClrSchemeLst/>
   <a:extLst>
     <a:ext uri="{05A4C25C-085E-4340-85A3-A5531E510DB2}">
-      <thm15:themeFamily xmlns:thm15="http://schemas.microsoft.com/office/thememl/2012/main" name="Office Theme" id="{62F939B6-93AF-4DB8-9C6B-D6C7DFDC589F}" vid="{4A3C46E8-61CC-4603-A589-7422A47A8E4A}"/>
+      <thm15:themeFamily xmlns:thm15="http://schemas.microsoft.com/office/thememl/2012/main" name="Gallery" id="{BBFCD31E-59A1-489D-B089-A3EAD7CAE12E}" vid="{F5E91637-A7B6-4E27-B710-77DA7014EE1E}"/>
     </a:ext>
   </a:extLst>
 </a:theme>
